--- a/生命聖詩/(生命聖詩65)美哉主耶穌.pptx
+++ b/生命聖詩/(生命聖詩65)美哉主耶穌.pptx
@@ -5,10 +5,15 @@
     <p:sldMasterId id="2147483672" r:id="rId1"/>
   </p:sldMasterIdLst>
   <p:sldIdLst>
-    <p:sldId id="256" r:id="rId2"/>
-    <p:sldId id="257" r:id="rId3"/>
-    <p:sldId id="258" r:id="rId4"/>
-    <p:sldId id="259" r:id="rId5"/>
+    <p:sldId id="260" r:id="rId2"/>
+    <p:sldId id="1682" r:id="rId3"/>
+    <p:sldId id="1683" r:id="rId4"/>
+    <p:sldId id="1684" r:id="rId5"/>
+    <p:sldId id="1685" r:id="rId6"/>
+    <p:sldId id="1686" r:id="rId7"/>
+    <p:sldId id="1687" r:id="rId8"/>
+    <p:sldId id="1688" r:id="rId9"/>
+    <p:sldId id="1689" r:id="rId10"/>
   </p:sldIdLst>
   <p:sldSz cx="9144000" cy="5143500" type="screen16x9"/>
   <p:notesSz cx="6858000" cy="9144000"/>
@@ -107,6 +112,22 @@
       </a:defRPr>
     </a:lvl9pPr>
   </p:defaultTextStyle>
+  <p:extLst>
+    <p:ext uri="{EFAFB233-063F-42B5-8137-9DF3F51BA10A}">
+      <p15:sldGuideLst xmlns:p15="http://schemas.microsoft.com/office/powerpoint/2012/main">
+        <p15:guide id="1" orient="horz" pos="1620">
+          <p15:clr>
+            <a:srgbClr val="A4A3A4"/>
+          </p15:clr>
+        </p15:guide>
+        <p15:guide id="2" pos="2880">
+          <p15:clr>
+            <a:srgbClr val="A4A3A4"/>
+          </p15:clr>
+        </p15:guide>
+      </p15:sldGuideLst>
+    </p:ext>
+  </p:extLst>
 </p:presentation>
 </file>
 
@@ -148,10 +169,9 @@
           <a:lstStyle/>
           <a:p>
             <a:r>
-              <a:rPr lang="zh-TW" altLang="en-US" smtClean="0"/>
+              <a:rPr lang="zh-TW" altLang="en-US"/>
               <a:t>按一下以編輯母片標題樣式</a:t>
             </a:r>
-            <a:endParaRPr lang="zh-TW" altLang="en-US"/>
           </a:p>
         </p:txBody>
       </p:sp>
@@ -267,10 +287,9 @@
           </a:lstStyle>
           <a:p>
             <a:r>
-              <a:rPr lang="zh-TW" altLang="en-US" smtClean="0"/>
+              <a:rPr lang="zh-TW" altLang="en-US"/>
               <a:t>按一下以編輯母片副標題樣式</a:t>
             </a:r>
-            <a:endParaRPr lang="zh-TW" altLang="en-US"/>
           </a:p>
         </p:txBody>
       </p:sp>
@@ -292,7 +311,7 @@
             <a:fld id="{0F6F0F0B-4893-401A-85C4-47BAE974D6D0}" type="datetimeFigureOut">
               <a:rPr lang="zh-TW" altLang="en-US" smtClean="0"/>
               <a:pPr/>
-              <a:t>2019/8/3</a:t>
+              <a:t>2024/2/2</a:t>
             </a:fld>
             <a:endParaRPr lang="zh-TW" altLang="en-US"/>
           </a:p>
@@ -382,10 +401,9 @@
           <a:lstStyle/>
           <a:p>
             <a:r>
-              <a:rPr lang="zh-TW" altLang="en-US" smtClean="0"/>
+              <a:rPr lang="zh-TW" altLang="en-US"/>
               <a:t>按一下以編輯母片標題樣式</a:t>
             </a:r>
-            <a:endParaRPr lang="zh-TW" altLang="en-US"/>
           </a:p>
         </p:txBody>
       </p:sp>
@@ -406,38 +424,37 @@
           <a:p>
             <a:pPr lvl="0"/>
             <a:r>
-              <a:rPr lang="zh-TW" altLang="en-US" smtClean="0"/>
+              <a:rPr lang="zh-TW" altLang="en-US"/>
               <a:t>按一下以編輯母片文字樣式</a:t>
             </a:r>
           </a:p>
           <a:p>
             <a:pPr lvl="1"/>
             <a:r>
-              <a:rPr lang="zh-TW" altLang="en-US" smtClean="0"/>
+              <a:rPr lang="zh-TW" altLang="en-US"/>
               <a:t>第二層</a:t>
             </a:r>
           </a:p>
           <a:p>
             <a:pPr lvl="2"/>
             <a:r>
-              <a:rPr lang="zh-TW" altLang="en-US" smtClean="0"/>
+              <a:rPr lang="zh-TW" altLang="en-US"/>
               <a:t>第三層</a:t>
             </a:r>
           </a:p>
           <a:p>
             <a:pPr lvl="3"/>
             <a:r>
-              <a:rPr lang="zh-TW" altLang="en-US" smtClean="0"/>
+              <a:rPr lang="zh-TW" altLang="en-US"/>
               <a:t>第四層</a:t>
             </a:r>
           </a:p>
           <a:p>
             <a:pPr lvl="4"/>
             <a:r>
-              <a:rPr lang="zh-TW" altLang="en-US" smtClean="0"/>
+              <a:rPr lang="zh-TW" altLang="en-US"/>
               <a:t>第五層</a:t>
             </a:r>
-            <a:endParaRPr lang="zh-TW" altLang="en-US"/>
           </a:p>
         </p:txBody>
       </p:sp>
@@ -459,7 +476,7 @@
             <a:fld id="{0F6F0F0B-4893-401A-85C4-47BAE974D6D0}" type="datetimeFigureOut">
               <a:rPr lang="zh-TW" altLang="en-US" smtClean="0"/>
               <a:pPr/>
-              <a:t>2019/8/3</a:t>
+              <a:t>2024/2/2</a:t>
             </a:fld>
             <a:endParaRPr lang="zh-TW" altLang="en-US"/>
           </a:p>
@@ -554,10 +571,9 @@
           <a:lstStyle/>
           <a:p>
             <a:r>
-              <a:rPr lang="zh-TW" altLang="en-US" smtClean="0"/>
+              <a:rPr lang="zh-TW" altLang="en-US"/>
               <a:t>按一下以編輯母片標題樣式</a:t>
             </a:r>
-            <a:endParaRPr lang="zh-TW" altLang="en-US"/>
           </a:p>
         </p:txBody>
       </p:sp>
@@ -583,38 +599,37 @@
           <a:p>
             <a:pPr lvl="0"/>
             <a:r>
-              <a:rPr lang="zh-TW" altLang="en-US" smtClean="0"/>
+              <a:rPr lang="zh-TW" altLang="en-US"/>
               <a:t>按一下以編輯母片文字樣式</a:t>
             </a:r>
           </a:p>
           <a:p>
             <a:pPr lvl="1"/>
             <a:r>
-              <a:rPr lang="zh-TW" altLang="en-US" smtClean="0"/>
+              <a:rPr lang="zh-TW" altLang="en-US"/>
               <a:t>第二層</a:t>
             </a:r>
           </a:p>
           <a:p>
             <a:pPr lvl="2"/>
             <a:r>
-              <a:rPr lang="zh-TW" altLang="en-US" smtClean="0"/>
+              <a:rPr lang="zh-TW" altLang="en-US"/>
               <a:t>第三層</a:t>
             </a:r>
           </a:p>
           <a:p>
             <a:pPr lvl="3"/>
             <a:r>
-              <a:rPr lang="zh-TW" altLang="en-US" smtClean="0"/>
+              <a:rPr lang="zh-TW" altLang="en-US"/>
               <a:t>第四層</a:t>
             </a:r>
           </a:p>
           <a:p>
             <a:pPr lvl="4"/>
             <a:r>
-              <a:rPr lang="zh-TW" altLang="en-US" smtClean="0"/>
+              <a:rPr lang="zh-TW" altLang="en-US"/>
               <a:t>第五層</a:t>
             </a:r>
-            <a:endParaRPr lang="zh-TW" altLang="en-US"/>
           </a:p>
         </p:txBody>
       </p:sp>
@@ -636,7 +651,7 @@
             <a:fld id="{0F6F0F0B-4893-401A-85C4-47BAE974D6D0}" type="datetimeFigureOut">
               <a:rPr lang="zh-TW" altLang="en-US" smtClean="0"/>
               <a:pPr/>
-              <a:t>2019/8/3</a:t>
+              <a:t>2024/2/2</a:t>
             </a:fld>
             <a:endParaRPr lang="zh-TW" altLang="en-US"/>
           </a:p>
@@ -726,10 +741,9 @@
           <a:lstStyle/>
           <a:p>
             <a:r>
-              <a:rPr lang="zh-TW" altLang="en-US" smtClean="0"/>
+              <a:rPr lang="zh-TW" altLang="en-US"/>
               <a:t>按一下以編輯母片標題樣式</a:t>
             </a:r>
-            <a:endParaRPr lang="zh-TW" altLang="en-US"/>
           </a:p>
         </p:txBody>
       </p:sp>
@@ -750,38 +764,37 @@
           <a:p>
             <a:pPr lvl="0"/>
             <a:r>
-              <a:rPr lang="zh-TW" altLang="en-US" smtClean="0"/>
+              <a:rPr lang="zh-TW" altLang="en-US"/>
               <a:t>按一下以編輯母片文字樣式</a:t>
             </a:r>
           </a:p>
           <a:p>
             <a:pPr lvl="1"/>
             <a:r>
-              <a:rPr lang="zh-TW" altLang="en-US" smtClean="0"/>
+              <a:rPr lang="zh-TW" altLang="en-US"/>
               <a:t>第二層</a:t>
             </a:r>
           </a:p>
           <a:p>
             <a:pPr lvl="2"/>
             <a:r>
-              <a:rPr lang="zh-TW" altLang="en-US" smtClean="0"/>
+              <a:rPr lang="zh-TW" altLang="en-US"/>
               <a:t>第三層</a:t>
             </a:r>
           </a:p>
           <a:p>
             <a:pPr lvl="3"/>
             <a:r>
-              <a:rPr lang="zh-TW" altLang="en-US" smtClean="0"/>
+              <a:rPr lang="zh-TW" altLang="en-US"/>
               <a:t>第四層</a:t>
             </a:r>
           </a:p>
           <a:p>
             <a:pPr lvl="4"/>
             <a:r>
-              <a:rPr lang="zh-TW" altLang="en-US" smtClean="0"/>
+              <a:rPr lang="zh-TW" altLang="en-US"/>
               <a:t>第五層</a:t>
             </a:r>
-            <a:endParaRPr lang="zh-TW" altLang="en-US"/>
           </a:p>
         </p:txBody>
       </p:sp>
@@ -803,7 +816,7 @@
             <a:fld id="{0F6F0F0B-4893-401A-85C4-47BAE974D6D0}" type="datetimeFigureOut">
               <a:rPr lang="zh-TW" altLang="en-US" smtClean="0"/>
               <a:pPr/>
-              <a:t>2019/8/3</a:t>
+              <a:t>2024/2/2</a:t>
             </a:fld>
             <a:endParaRPr lang="zh-TW" altLang="en-US"/>
           </a:p>
@@ -902,10 +915,9 @@
           </a:lstStyle>
           <a:p>
             <a:r>
-              <a:rPr lang="zh-TW" altLang="en-US" smtClean="0"/>
+              <a:rPr lang="zh-TW" altLang="en-US"/>
               <a:t>按一下以編輯母片標題樣式</a:t>
             </a:r>
-            <a:endParaRPr lang="zh-TW" altLang="en-US"/>
           </a:p>
         </p:txBody>
       </p:sp>
@@ -1022,7 +1034,7 @@
           <a:p>
             <a:pPr lvl="0"/>
             <a:r>
-              <a:rPr lang="zh-TW" altLang="en-US" smtClean="0"/>
+              <a:rPr lang="zh-TW" altLang="en-US"/>
               <a:t>按一下以編輯母片文字樣式</a:t>
             </a:r>
           </a:p>
@@ -1046,7 +1058,7 @@
             <a:fld id="{0F6F0F0B-4893-401A-85C4-47BAE974D6D0}" type="datetimeFigureOut">
               <a:rPr lang="zh-TW" altLang="en-US" smtClean="0"/>
               <a:pPr/>
-              <a:t>2019/8/3</a:t>
+              <a:t>2024/2/2</a:t>
             </a:fld>
             <a:endParaRPr lang="zh-TW" altLang="en-US"/>
           </a:p>
@@ -1136,10 +1148,9 @@
           <a:lstStyle/>
           <a:p>
             <a:r>
-              <a:rPr lang="zh-TW" altLang="en-US" smtClean="0"/>
+              <a:rPr lang="zh-TW" altLang="en-US"/>
               <a:t>按一下以編輯母片標題樣式</a:t>
             </a:r>
-            <a:endParaRPr lang="zh-TW" altLang="en-US"/>
           </a:p>
         </p:txBody>
       </p:sp>
@@ -1193,38 +1204,37 @@
           <a:p>
             <a:pPr lvl="0"/>
             <a:r>
-              <a:rPr lang="zh-TW" altLang="en-US" smtClean="0"/>
+              <a:rPr lang="zh-TW" altLang="en-US"/>
               <a:t>按一下以編輯母片文字樣式</a:t>
             </a:r>
           </a:p>
           <a:p>
             <a:pPr lvl="1"/>
             <a:r>
-              <a:rPr lang="zh-TW" altLang="en-US" smtClean="0"/>
+              <a:rPr lang="zh-TW" altLang="en-US"/>
               <a:t>第二層</a:t>
             </a:r>
           </a:p>
           <a:p>
             <a:pPr lvl="2"/>
             <a:r>
-              <a:rPr lang="zh-TW" altLang="en-US" smtClean="0"/>
+              <a:rPr lang="zh-TW" altLang="en-US"/>
               <a:t>第三層</a:t>
             </a:r>
           </a:p>
           <a:p>
             <a:pPr lvl="3"/>
             <a:r>
-              <a:rPr lang="zh-TW" altLang="en-US" smtClean="0"/>
+              <a:rPr lang="zh-TW" altLang="en-US"/>
               <a:t>第四層</a:t>
             </a:r>
           </a:p>
           <a:p>
             <a:pPr lvl="4"/>
             <a:r>
-              <a:rPr lang="zh-TW" altLang="en-US" smtClean="0"/>
+              <a:rPr lang="zh-TW" altLang="en-US"/>
               <a:t>第五層</a:t>
             </a:r>
-            <a:endParaRPr lang="zh-TW" altLang="en-US"/>
           </a:p>
         </p:txBody>
       </p:sp>
@@ -1278,38 +1288,37 @@
           <a:p>
             <a:pPr lvl="0"/>
             <a:r>
-              <a:rPr lang="zh-TW" altLang="en-US" smtClean="0"/>
+              <a:rPr lang="zh-TW" altLang="en-US"/>
               <a:t>按一下以編輯母片文字樣式</a:t>
             </a:r>
           </a:p>
           <a:p>
             <a:pPr lvl="1"/>
             <a:r>
-              <a:rPr lang="zh-TW" altLang="en-US" smtClean="0"/>
+              <a:rPr lang="zh-TW" altLang="en-US"/>
               <a:t>第二層</a:t>
             </a:r>
           </a:p>
           <a:p>
             <a:pPr lvl="2"/>
             <a:r>
-              <a:rPr lang="zh-TW" altLang="en-US" smtClean="0"/>
+              <a:rPr lang="zh-TW" altLang="en-US"/>
               <a:t>第三層</a:t>
             </a:r>
           </a:p>
           <a:p>
             <a:pPr lvl="3"/>
             <a:r>
-              <a:rPr lang="zh-TW" altLang="en-US" smtClean="0"/>
+              <a:rPr lang="zh-TW" altLang="en-US"/>
               <a:t>第四層</a:t>
             </a:r>
           </a:p>
           <a:p>
             <a:pPr lvl="4"/>
             <a:r>
-              <a:rPr lang="zh-TW" altLang="en-US" smtClean="0"/>
+              <a:rPr lang="zh-TW" altLang="en-US"/>
               <a:t>第五層</a:t>
             </a:r>
-            <a:endParaRPr lang="zh-TW" altLang="en-US"/>
           </a:p>
         </p:txBody>
       </p:sp>
@@ -1331,7 +1340,7 @@
             <a:fld id="{0F6F0F0B-4893-401A-85C4-47BAE974D6D0}" type="datetimeFigureOut">
               <a:rPr lang="zh-TW" altLang="en-US" smtClean="0"/>
               <a:pPr/>
-              <a:t>2019/8/3</a:t>
+              <a:t>2024/2/2</a:t>
             </a:fld>
             <a:endParaRPr lang="zh-TW" altLang="en-US"/>
           </a:p>
@@ -1425,10 +1434,9 @@
           </a:lstStyle>
           <a:p>
             <a:r>
-              <a:rPr lang="zh-TW" altLang="en-US" smtClean="0"/>
+              <a:rPr lang="zh-TW" altLang="en-US"/>
               <a:t>按一下以編輯母片標題樣式</a:t>
             </a:r>
-            <a:endParaRPr lang="zh-TW" altLang="en-US"/>
           </a:p>
         </p:txBody>
       </p:sp>
@@ -1491,7 +1499,7 @@
           <a:p>
             <a:pPr lvl="0"/>
             <a:r>
-              <a:rPr lang="zh-TW" altLang="en-US" smtClean="0"/>
+              <a:rPr lang="zh-TW" altLang="en-US"/>
               <a:t>按一下以編輯母片文字樣式</a:t>
             </a:r>
           </a:p>
@@ -1547,38 +1555,37 @@
           <a:p>
             <a:pPr lvl="0"/>
             <a:r>
-              <a:rPr lang="zh-TW" altLang="en-US" smtClean="0"/>
+              <a:rPr lang="zh-TW" altLang="en-US"/>
               <a:t>按一下以編輯母片文字樣式</a:t>
             </a:r>
           </a:p>
           <a:p>
             <a:pPr lvl="1"/>
             <a:r>
-              <a:rPr lang="zh-TW" altLang="en-US" smtClean="0"/>
+              <a:rPr lang="zh-TW" altLang="en-US"/>
               <a:t>第二層</a:t>
             </a:r>
           </a:p>
           <a:p>
             <a:pPr lvl="2"/>
             <a:r>
-              <a:rPr lang="zh-TW" altLang="en-US" smtClean="0"/>
+              <a:rPr lang="zh-TW" altLang="en-US"/>
               <a:t>第三層</a:t>
             </a:r>
           </a:p>
           <a:p>
             <a:pPr lvl="3"/>
             <a:r>
-              <a:rPr lang="zh-TW" altLang="en-US" smtClean="0"/>
+              <a:rPr lang="zh-TW" altLang="en-US"/>
               <a:t>第四層</a:t>
             </a:r>
           </a:p>
           <a:p>
             <a:pPr lvl="4"/>
             <a:r>
-              <a:rPr lang="zh-TW" altLang="en-US" smtClean="0"/>
+              <a:rPr lang="zh-TW" altLang="en-US"/>
               <a:t>第五層</a:t>
             </a:r>
-            <a:endParaRPr lang="zh-TW" altLang="en-US"/>
           </a:p>
         </p:txBody>
       </p:sp>
@@ -1641,7 +1648,7 @@
           <a:p>
             <a:pPr lvl="0"/>
             <a:r>
-              <a:rPr lang="zh-TW" altLang="en-US" smtClean="0"/>
+              <a:rPr lang="zh-TW" altLang="en-US"/>
               <a:t>按一下以編輯母片文字樣式</a:t>
             </a:r>
           </a:p>
@@ -1697,38 +1704,37 @@
           <a:p>
             <a:pPr lvl="0"/>
             <a:r>
-              <a:rPr lang="zh-TW" altLang="en-US" smtClean="0"/>
+              <a:rPr lang="zh-TW" altLang="en-US"/>
               <a:t>按一下以編輯母片文字樣式</a:t>
             </a:r>
           </a:p>
           <a:p>
             <a:pPr lvl="1"/>
             <a:r>
-              <a:rPr lang="zh-TW" altLang="en-US" smtClean="0"/>
+              <a:rPr lang="zh-TW" altLang="en-US"/>
               <a:t>第二層</a:t>
             </a:r>
           </a:p>
           <a:p>
             <a:pPr lvl="2"/>
             <a:r>
-              <a:rPr lang="zh-TW" altLang="en-US" smtClean="0"/>
+              <a:rPr lang="zh-TW" altLang="en-US"/>
               <a:t>第三層</a:t>
             </a:r>
           </a:p>
           <a:p>
             <a:pPr lvl="3"/>
             <a:r>
-              <a:rPr lang="zh-TW" altLang="en-US" smtClean="0"/>
+              <a:rPr lang="zh-TW" altLang="en-US"/>
               <a:t>第四層</a:t>
             </a:r>
           </a:p>
           <a:p>
             <a:pPr lvl="4"/>
             <a:r>
-              <a:rPr lang="zh-TW" altLang="en-US" smtClean="0"/>
+              <a:rPr lang="zh-TW" altLang="en-US"/>
               <a:t>第五層</a:t>
             </a:r>
-            <a:endParaRPr lang="zh-TW" altLang="en-US"/>
           </a:p>
         </p:txBody>
       </p:sp>
@@ -1750,7 +1756,7 @@
             <a:fld id="{0F6F0F0B-4893-401A-85C4-47BAE974D6D0}" type="datetimeFigureOut">
               <a:rPr lang="zh-TW" altLang="en-US" smtClean="0"/>
               <a:pPr/>
-              <a:t>2019/8/3</a:t>
+              <a:t>2024/2/2</a:t>
             </a:fld>
             <a:endParaRPr lang="zh-TW" altLang="en-US"/>
           </a:p>
@@ -1840,10 +1846,9 @@
           <a:lstStyle/>
           <a:p>
             <a:r>
-              <a:rPr lang="zh-TW" altLang="en-US" smtClean="0"/>
+              <a:rPr lang="zh-TW" altLang="en-US"/>
               <a:t>按一下以編輯母片標題樣式</a:t>
             </a:r>
-            <a:endParaRPr lang="zh-TW" altLang="en-US"/>
           </a:p>
         </p:txBody>
       </p:sp>
@@ -1865,7 +1870,7 @@
             <a:fld id="{0F6F0F0B-4893-401A-85C4-47BAE974D6D0}" type="datetimeFigureOut">
               <a:rPr lang="zh-TW" altLang="en-US" smtClean="0"/>
               <a:pPr/>
-              <a:t>2019/8/3</a:t>
+              <a:t>2024/2/2</a:t>
             </a:fld>
             <a:endParaRPr lang="zh-TW" altLang="en-US"/>
           </a:p>
@@ -1957,7 +1962,7 @@
             <a:fld id="{0F6F0F0B-4893-401A-85C4-47BAE974D6D0}" type="datetimeFigureOut">
               <a:rPr lang="zh-TW" altLang="en-US" smtClean="0"/>
               <a:pPr/>
-              <a:t>2019/8/3</a:t>
+              <a:t>2024/2/2</a:t>
             </a:fld>
             <a:endParaRPr lang="zh-TW" altLang="en-US"/>
           </a:p>
@@ -2056,10 +2061,9 @@
           </a:lstStyle>
           <a:p>
             <a:r>
-              <a:rPr lang="zh-TW" altLang="en-US" smtClean="0"/>
+              <a:rPr lang="zh-TW" altLang="en-US"/>
               <a:t>按一下以編輯母片標題樣式</a:t>
             </a:r>
-            <a:endParaRPr lang="zh-TW" altLang="en-US"/>
           </a:p>
         </p:txBody>
       </p:sp>
@@ -2113,38 +2117,37 @@
           <a:p>
             <a:pPr lvl="0"/>
             <a:r>
-              <a:rPr lang="zh-TW" altLang="en-US" smtClean="0"/>
+              <a:rPr lang="zh-TW" altLang="en-US"/>
               <a:t>按一下以編輯母片文字樣式</a:t>
             </a:r>
           </a:p>
           <a:p>
             <a:pPr lvl="1"/>
             <a:r>
-              <a:rPr lang="zh-TW" altLang="en-US" smtClean="0"/>
+              <a:rPr lang="zh-TW" altLang="en-US"/>
               <a:t>第二層</a:t>
             </a:r>
           </a:p>
           <a:p>
             <a:pPr lvl="2"/>
             <a:r>
-              <a:rPr lang="zh-TW" altLang="en-US" smtClean="0"/>
+              <a:rPr lang="zh-TW" altLang="en-US"/>
               <a:t>第三層</a:t>
             </a:r>
           </a:p>
           <a:p>
             <a:pPr lvl="3"/>
             <a:r>
-              <a:rPr lang="zh-TW" altLang="en-US" smtClean="0"/>
+              <a:rPr lang="zh-TW" altLang="en-US"/>
               <a:t>第四層</a:t>
             </a:r>
           </a:p>
           <a:p>
             <a:pPr lvl="4"/>
             <a:r>
-              <a:rPr lang="zh-TW" altLang="en-US" smtClean="0"/>
+              <a:rPr lang="zh-TW" altLang="en-US"/>
               <a:t>第五層</a:t>
             </a:r>
-            <a:endParaRPr lang="zh-TW" altLang="en-US"/>
           </a:p>
         </p:txBody>
       </p:sp>
@@ -2207,7 +2210,7 @@
           <a:p>
             <a:pPr lvl="0"/>
             <a:r>
-              <a:rPr lang="zh-TW" altLang="en-US" smtClean="0"/>
+              <a:rPr lang="zh-TW" altLang="en-US"/>
               <a:t>按一下以編輯母片文字樣式</a:t>
             </a:r>
           </a:p>
@@ -2231,7 +2234,7 @@
             <a:fld id="{0F6F0F0B-4893-401A-85C4-47BAE974D6D0}" type="datetimeFigureOut">
               <a:rPr lang="zh-TW" altLang="en-US" smtClean="0"/>
               <a:pPr/>
-              <a:t>2019/8/3</a:t>
+              <a:t>2024/2/2</a:t>
             </a:fld>
             <a:endParaRPr lang="zh-TW" altLang="en-US"/>
           </a:p>
@@ -2330,10 +2333,9 @@
           </a:lstStyle>
           <a:p>
             <a:r>
-              <a:rPr lang="zh-TW" altLang="en-US" smtClean="0"/>
+              <a:rPr lang="zh-TW" altLang="en-US"/>
               <a:t>按一下以編輯母片標題樣式</a:t>
             </a:r>
-            <a:endParaRPr lang="zh-TW" altLang="en-US"/>
           </a:p>
         </p:txBody>
       </p:sp>
@@ -2395,10 +2397,9 @@
           </a:lstStyle>
           <a:p>
             <a:r>
-              <a:rPr lang="zh-TW" altLang="en-US" smtClean="0"/>
+              <a:rPr lang="zh-TW" altLang="en-US"/>
               <a:t>按一下圖示以新增圖片</a:t>
             </a:r>
-            <a:endParaRPr lang="zh-TW" altLang="en-US"/>
           </a:p>
         </p:txBody>
       </p:sp>
@@ -2461,7 +2462,7 @@
           <a:p>
             <a:pPr lvl="0"/>
             <a:r>
-              <a:rPr lang="zh-TW" altLang="en-US" smtClean="0"/>
+              <a:rPr lang="zh-TW" altLang="en-US"/>
               <a:t>按一下以編輯母片文字樣式</a:t>
             </a:r>
           </a:p>
@@ -2485,7 +2486,7 @@
             <a:fld id="{0F6F0F0B-4893-401A-85C4-47BAE974D6D0}" type="datetimeFigureOut">
               <a:rPr lang="zh-TW" altLang="en-US" smtClean="0"/>
               <a:pPr/>
-              <a:t>2019/8/3</a:t>
+              <a:t>2024/2/2</a:t>
             </a:fld>
             <a:endParaRPr lang="zh-TW" altLang="en-US"/>
           </a:p>
@@ -2595,10 +2596,9 @@
           <a:lstStyle/>
           <a:p>
             <a:r>
-              <a:rPr lang="zh-TW" altLang="en-US" smtClean="0"/>
+              <a:rPr lang="zh-TW" altLang="en-US"/>
               <a:t>按一下以編輯母片標題樣式</a:t>
             </a:r>
-            <a:endParaRPr lang="zh-TW" altLang="en-US"/>
           </a:p>
         </p:txBody>
       </p:sp>
@@ -2629,38 +2629,37 @@
           <a:p>
             <a:pPr lvl="0"/>
             <a:r>
-              <a:rPr lang="zh-TW" altLang="en-US" smtClean="0"/>
+              <a:rPr lang="zh-TW" altLang="en-US"/>
               <a:t>按一下以編輯母片文字樣式</a:t>
             </a:r>
           </a:p>
           <a:p>
             <a:pPr lvl="1"/>
             <a:r>
-              <a:rPr lang="zh-TW" altLang="en-US" smtClean="0"/>
+              <a:rPr lang="zh-TW" altLang="en-US"/>
               <a:t>第二層</a:t>
             </a:r>
           </a:p>
           <a:p>
             <a:pPr lvl="2"/>
             <a:r>
-              <a:rPr lang="zh-TW" altLang="en-US" smtClean="0"/>
+              <a:rPr lang="zh-TW" altLang="en-US"/>
               <a:t>第三層</a:t>
             </a:r>
           </a:p>
           <a:p>
             <a:pPr lvl="3"/>
             <a:r>
-              <a:rPr lang="zh-TW" altLang="en-US" smtClean="0"/>
+              <a:rPr lang="zh-TW" altLang="en-US"/>
               <a:t>第四層</a:t>
             </a:r>
           </a:p>
           <a:p>
             <a:pPr lvl="4"/>
             <a:r>
-              <a:rPr lang="zh-TW" altLang="en-US" smtClean="0"/>
+              <a:rPr lang="zh-TW" altLang="en-US"/>
               <a:t>第五層</a:t>
             </a:r>
-            <a:endParaRPr lang="zh-TW" altLang="en-US"/>
           </a:p>
         </p:txBody>
       </p:sp>
@@ -2700,7 +2699,7 @@
             <a:fld id="{0F6F0F0B-4893-401A-85C4-47BAE974D6D0}" type="datetimeFigureOut">
               <a:rPr lang="zh-TW" altLang="en-US" smtClean="0"/>
               <a:pPr/>
-              <a:t>2019/8/3</a:t>
+              <a:t>2024/2/2</a:t>
             </a:fld>
             <a:endParaRPr lang="zh-TW" altLang="en-US"/>
           </a:p>
@@ -3081,250 +3080,94 @@
             <p:ph type="title"/>
           </p:nvPr>
         </p:nvSpPr>
-        <p:spPr/>
+        <p:spPr>
+          <a:xfrm>
+            <a:off x="0" y="1995686"/>
+            <a:ext cx="9144000" cy="857250"/>
+          </a:xfrm>
+        </p:spPr>
         <p:txBody>
           <a:bodyPr>
-            <a:normAutofit/>
+            <a:noAutofit/>
           </a:bodyPr>
           <a:lstStyle/>
           <a:p>
             <a:r>
-              <a:rPr lang="zh-TW" altLang="en-US" sz="4000" b="1" dirty="0" smtClean="0">
+              <a:rPr lang="zh-CN" altLang="en-US" sz="4000" b="1" u="sng" dirty="0">
+                <a:solidFill>
+                  <a:srgbClr val="660033"/>
+                </a:solidFill>
+                <a:effectLst>
+                  <a:outerShdw blurRad="38100" dist="38100" dir="2700000" algn="tl">
+                    <a:srgbClr val="000000">
+                      <a:alpha val="43137"/>
+                    </a:srgbClr>
+                  </a:outerShdw>
+                </a:effectLst>
+                <a:latin typeface="微軟正黑體" pitchFamily="34" charset="-120"/>
+                <a:ea typeface="微軟正黑體" pitchFamily="34" charset="-120"/>
+              </a:rPr>
+              <a:t>生命聖詩 </a:t>
+            </a:r>
+            <a:r>
+              <a:rPr lang="en-US" altLang="zh-CN" sz="4000" b="1" u="sng" dirty="0">
+                <a:solidFill>
+                  <a:srgbClr val="660033"/>
+                </a:solidFill>
+                <a:effectLst>
+                  <a:outerShdw blurRad="38100" dist="38100" dir="2700000" algn="tl">
+                    <a:srgbClr val="000000">
+                      <a:alpha val="43137"/>
+                    </a:srgbClr>
+                  </a:outerShdw>
+                </a:effectLst>
+                <a:latin typeface="微軟正黑體" pitchFamily="34" charset="-120"/>
+                <a:ea typeface="微軟正黑體" pitchFamily="34" charset="-120"/>
+              </a:rPr>
+              <a:t>65</a:t>
+            </a:r>
+            <a:br>
+              <a:rPr lang="en-US" altLang="zh-CN" sz="5400" b="1" i="1" dirty="0">
+                <a:solidFill>
+                  <a:srgbClr val="660033"/>
+                </a:solidFill>
+                <a:effectLst>
+                  <a:outerShdw blurRad="38100" dist="38100" dir="2700000" algn="tl">
+                    <a:srgbClr val="000000">
+                      <a:alpha val="43137"/>
+                    </a:srgbClr>
+                  </a:outerShdw>
+                </a:effectLst>
+                <a:latin typeface="微軟正黑體" pitchFamily="34" charset="-120"/>
+                <a:ea typeface="微軟正黑體" pitchFamily="34" charset="-120"/>
+              </a:rPr>
+            </a:br>
+            <a:r>
+              <a:rPr lang="zh-TW" altLang="en-US" sz="6000" b="1" dirty="0">
                 <a:solidFill>
                   <a:srgbClr val="000066"/>
                 </a:solidFill>
+                <a:effectLst>
+                  <a:outerShdw blurRad="38100" dist="38100" dir="2700000" algn="tl">
+                    <a:srgbClr val="000000">
+                      <a:alpha val="43137"/>
+                    </a:srgbClr>
+                  </a:outerShdw>
+                </a:effectLst>
                 <a:latin typeface="微軟正黑體" pitchFamily="34" charset="-120"/>
                 <a:ea typeface="微軟正黑體" pitchFamily="34" charset="-120"/>
               </a:rPr>
               <a:t>美哉主耶穌</a:t>
             </a:r>
-            <a:endParaRPr lang="zh-TW" altLang="en-US" sz="4000" b="1" dirty="0">
-              <a:solidFill>
-                <a:srgbClr val="000066"/>
-              </a:solidFill>
-              <a:latin typeface="微軟正黑體" pitchFamily="34" charset="-120"/>
-              <a:ea typeface="微軟正黑體" pitchFamily="34" charset="-120"/>
-            </a:endParaRPr>
-          </a:p>
-        </p:txBody>
-      </p:sp>
-      <p:sp>
-        <p:nvSpPr>
-          <p:cNvPr id="5" name="內容版面配置區 4"/>
-          <p:cNvSpPr>
-            <a:spLocks noGrp="1"/>
-          </p:cNvSpPr>
-          <p:nvPr>
-            <p:ph idx="1"/>
-          </p:nvPr>
-        </p:nvSpPr>
-        <p:spPr/>
-        <p:txBody>
-          <a:bodyPr>
-            <a:noAutofit/>
-          </a:bodyPr>
-          <a:lstStyle/>
-          <a:p>
-            <a:pPr algn="ctr">
-              <a:buNone/>
-            </a:pPr>
-            <a:r>
-              <a:rPr lang="zh-TW" altLang="en-US" sz="4800" b="1" dirty="0">
-                <a:solidFill>
-                  <a:srgbClr val="000066"/>
-                </a:solidFill>
-                <a:latin typeface="微軟正黑體" pitchFamily="34" charset="-120"/>
-                <a:ea typeface="微軟正黑體" pitchFamily="34" charset="-120"/>
-              </a:rPr>
-              <a:t>美哉主</a:t>
-            </a:r>
-            <a:r>
-              <a:rPr lang="zh-TW" altLang="en-US" sz="4800" b="1" dirty="0" smtClean="0">
-                <a:solidFill>
-                  <a:srgbClr val="000066"/>
-                </a:solidFill>
-                <a:latin typeface="微軟正黑體" pitchFamily="34" charset="-120"/>
-                <a:ea typeface="微軟正黑體" pitchFamily="34" charset="-120"/>
-              </a:rPr>
-              <a:t>耶穌宇宙</a:t>
-            </a:r>
-            <a:r>
-              <a:rPr lang="zh-TW" altLang="en-US" sz="4800" b="1" dirty="0">
-                <a:solidFill>
-                  <a:srgbClr val="000066"/>
-                </a:solidFill>
-                <a:latin typeface="微軟正黑體" pitchFamily="34" charset="-120"/>
-                <a:ea typeface="微軟正黑體" pitchFamily="34" charset="-120"/>
-              </a:rPr>
-              <a:t>萬物</a:t>
-            </a:r>
-            <a:r>
-              <a:rPr lang="zh-TW" altLang="en-US" sz="4800" b="1" dirty="0" smtClean="0">
-                <a:solidFill>
-                  <a:srgbClr val="000066"/>
-                </a:solidFill>
-                <a:latin typeface="微軟正黑體" pitchFamily="34" charset="-120"/>
-                <a:ea typeface="微軟正黑體" pitchFamily="34" charset="-120"/>
-              </a:rPr>
-              <a:t>主宰</a:t>
-            </a:r>
-            <a:endParaRPr lang="en-US" altLang="zh-TW" sz="4800" b="1" dirty="0" smtClean="0">
-              <a:solidFill>
-                <a:srgbClr val="000066"/>
-              </a:solidFill>
-              <a:latin typeface="微軟正黑體" pitchFamily="34" charset="-120"/>
-              <a:ea typeface="微軟正黑體" pitchFamily="34" charset="-120"/>
-            </a:endParaRPr>
-          </a:p>
-          <a:p>
-            <a:pPr algn="ctr">
-              <a:buNone/>
-            </a:pPr>
-            <a:r>
-              <a:rPr lang="zh-TW" altLang="en-US" sz="4800" b="1" dirty="0" smtClean="0">
-                <a:solidFill>
-                  <a:srgbClr val="000066"/>
-                </a:solidFill>
-                <a:latin typeface="微軟正黑體" pitchFamily="34" charset="-120"/>
-                <a:ea typeface="微軟正黑體" pitchFamily="34" charset="-120"/>
-              </a:rPr>
-              <a:t>真神</a:t>
-            </a:r>
-            <a:r>
-              <a:rPr lang="zh-TW" altLang="en-US" sz="4800" b="1" dirty="0">
-                <a:solidFill>
-                  <a:srgbClr val="000066"/>
-                </a:solidFill>
-                <a:latin typeface="微軟正黑體" pitchFamily="34" charset="-120"/>
-                <a:ea typeface="微軟正黑體" pitchFamily="34" charset="-120"/>
-              </a:rPr>
-              <a:t>甘願降世</a:t>
-            </a:r>
-            <a:r>
-              <a:rPr lang="zh-TW" altLang="en-US" sz="4800" b="1" dirty="0" smtClean="0">
-                <a:solidFill>
-                  <a:srgbClr val="000066"/>
-                </a:solidFill>
-                <a:latin typeface="微軟正黑體" pitchFamily="34" charset="-120"/>
-                <a:ea typeface="微軟正黑體" pitchFamily="34" charset="-120"/>
-              </a:rPr>
-              <a:t>為人</a:t>
-            </a:r>
-            <a:endParaRPr lang="en-US" altLang="zh-TW" sz="4800" b="1" dirty="0">
-              <a:solidFill>
-                <a:srgbClr val="000066"/>
-              </a:solidFill>
-              <a:latin typeface="微軟正黑體" pitchFamily="34" charset="-120"/>
-              <a:ea typeface="微軟正黑體" pitchFamily="34" charset="-120"/>
-            </a:endParaRPr>
-          </a:p>
-          <a:p>
-            <a:pPr algn="ctr">
-              <a:buNone/>
-            </a:pPr>
-            <a:r>
-              <a:rPr lang="zh-TW" altLang="en-US" sz="4800" b="1" dirty="0" smtClean="0">
-                <a:solidFill>
-                  <a:srgbClr val="000066"/>
-                </a:solidFill>
-                <a:latin typeface="微軟正黑體" pitchFamily="34" charset="-120"/>
-                <a:ea typeface="微軟正黑體" pitchFamily="34" charset="-120"/>
-              </a:rPr>
-              <a:t>我</a:t>
-            </a:r>
-            <a:r>
-              <a:rPr lang="zh-TW" altLang="en-US" sz="4800" b="1" dirty="0">
-                <a:solidFill>
-                  <a:srgbClr val="000066"/>
-                </a:solidFill>
-                <a:latin typeface="微軟正黑體" pitchFamily="34" charset="-120"/>
-                <a:ea typeface="微軟正黑體" pitchFamily="34" charset="-120"/>
-              </a:rPr>
-              <a:t>心所</a:t>
-            </a:r>
-            <a:r>
-              <a:rPr lang="zh-TW" altLang="en-US" sz="4800" b="1" dirty="0" smtClean="0">
-                <a:solidFill>
-                  <a:srgbClr val="000066"/>
-                </a:solidFill>
-                <a:latin typeface="微軟正黑體" pitchFamily="34" charset="-120"/>
-                <a:ea typeface="微軟正黑體" pitchFamily="34" charset="-120"/>
-              </a:rPr>
-              <a:t>景仰  我</a:t>
-            </a:r>
-            <a:r>
-              <a:rPr lang="zh-TW" altLang="en-US" sz="4800" b="1" dirty="0">
-                <a:solidFill>
-                  <a:srgbClr val="000066"/>
-                </a:solidFill>
-                <a:latin typeface="微軟正黑體" pitchFamily="34" charset="-120"/>
-                <a:ea typeface="微軟正黑體" pitchFamily="34" charset="-120"/>
-              </a:rPr>
-              <a:t>靈所</a:t>
-            </a:r>
-            <a:r>
-              <a:rPr lang="zh-TW" altLang="en-US" sz="4800" b="1" dirty="0" smtClean="0">
-                <a:solidFill>
-                  <a:srgbClr val="000066"/>
-                </a:solidFill>
-                <a:latin typeface="微軟正黑體" pitchFamily="34" charset="-120"/>
-                <a:ea typeface="微軟正黑體" pitchFamily="34" charset="-120"/>
-              </a:rPr>
-              <a:t>尊崇</a:t>
-            </a:r>
-            <a:endParaRPr lang="en-US" altLang="zh-TW" sz="4800" b="1" dirty="0" smtClean="0">
-              <a:solidFill>
-                <a:srgbClr val="000066"/>
-              </a:solidFill>
-              <a:latin typeface="微軟正黑體" pitchFamily="34" charset="-120"/>
-              <a:ea typeface="微軟正黑體" pitchFamily="34" charset="-120"/>
-            </a:endParaRPr>
-          </a:p>
-          <a:p>
-            <a:pPr algn="ctr">
-              <a:buNone/>
-            </a:pPr>
-            <a:r>
-              <a:rPr lang="zh-TW" altLang="en-US" sz="4800" b="1" dirty="0" smtClean="0">
-                <a:solidFill>
-                  <a:srgbClr val="000066"/>
-                </a:solidFill>
-                <a:latin typeface="微軟正黑體" pitchFamily="34" charset="-120"/>
-                <a:ea typeface="微軟正黑體" pitchFamily="34" charset="-120"/>
-              </a:rPr>
-              <a:t>是</a:t>
-            </a:r>
-            <a:r>
-              <a:rPr lang="zh-TW" altLang="en-US" sz="4800" b="1" dirty="0">
-                <a:solidFill>
-                  <a:srgbClr val="000066"/>
-                </a:solidFill>
-                <a:latin typeface="微軟正黑體" pitchFamily="34" charset="-120"/>
-                <a:ea typeface="微軟正黑體" pitchFamily="34" charset="-120"/>
-              </a:rPr>
-              <a:t>我</a:t>
-            </a:r>
-            <a:r>
-              <a:rPr lang="zh-TW" altLang="en-US" sz="4800" b="1" dirty="0" smtClean="0">
-                <a:solidFill>
-                  <a:srgbClr val="000066"/>
-                </a:solidFill>
-                <a:latin typeface="微軟正黑體" pitchFamily="34" charset="-120"/>
-                <a:ea typeface="微軟正黑體" pitchFamily="34" charset="-120"/>
-              </a:rPr>
-              <a:t>榮耀  冠冕  歡欣</a:t>
-            </a:r>
-            <a:endParaRPr lang="zh-TW" altLang="en-US" sz="4800" b="1" dirty="0">
-              <a:solidFill>
-                <a:srgbClr val="000066"/>
-              </a:solidFill>
-              <a:latin typeface="微軟正黑體" pitchFamily="34" charset="-120"/>
-              <a:ea typeface="微軟正黑體" pitchFamily="34" charset="-120"/>
-            </a:endParaRPr>
           </a:p>
         </p:txBody>
       </p:sp>
     </p:spTree>
+    <p:extLst>
+      <p:ext uri="{BB962C8B-B14F-4D97-AF65-F5344CB8AC3E}">
+        <p14:creationId xmlns:p14="http://schemas.microsoft.com/office/powerpoint/2010/main" val="3867123500"/>
+      </p:ext>
+    </p:extLst>
   </p:cSld>
   <p:clrMapOvr>
     <a:masterClrMapping/>
@@ -3351,100 +3194,38 @@
       </p:grpSpPr>
       <p:sp>
         <p:nvSpPr>
-          <p:cNvPr id="4" name="標題 3"/>
-          <p:cNvSpPr>
-            <a:spLocks noGrp="1"/>
-          </p:cNvSpPr>
-          <p:nvPr>
-            <p:ph type="title"/>
-          </p:nvPr>
-        </p:nvSpPr>
-        <p:spPr/>
-        <p:txBody>
-          <a:bodyPr>
+          <p:cNvPr id="5" name="內容版面配置區 4"/>
+          <p:cNvSpPr>
+            <a:spLocks noGrp="1"/>
+          </p:cNvSpPr>
+          <p:nvPr>
+            <p:ph idx="1"/>
+          </p:nvPr>
+        </p:nvSpPr>
+        <p:spPr>
+          <a:xfrm>
+            <a:off x="0" y="1563640"/>
+            <a:ext cx="9144000" cy="1803647"/>
+          </a:xfrm>
+        </p:spPr>
+        <p:txBody>
+          <a:bodyPr anchor="ctr">
             <a:normAutofit/>
           </a:bodyPr>
           <a:lstStyle/>
           <a:p>
-            <a:r>
-              <a:rPr lang="zh-TW" altLang="en-US" sz="4000" b="1" dirty="0">
+            <a:pPr algn="ctr">
+              <a:buNone/>
+            </a:pPr>
+            <a:r>
+              <a:rPr lang="zh-TW" altLang="en-US" sz="4800" b="1" dirty="0">
                 <a:solidFill>
                   <a:srgbClr val="000066"/>
                 </a:solidFill>
                 <a:latin typeface="微軟正黑體" pitchFamily="34" charset="-120"/>
                 <a:ea typeface="微軟正黑體" pitchFamily="34" charset="-120"/>
               </a:rPr>
-              <a:t>美哉主耶穌</a:t>
-            </a:r>
-            <a:endParaRPr lang="zh-TW" altLang="en-US" sz="4000" b="1" dirty="0">
-              <a:solidFill>
-                <a:srgbClr val="000066"/>
-              </a:solidFill>
-              <a:latin typeface="微軟正黑體" pitchFamily="34" charset="-120"/>
-              <a:ea typeface="微軟正黑體" pitchFamily="34" charset="-120"/>
-            </a:endParaRPr>
-          </a:p>
-        </p:txBody>
-      </p:sp>
-      <p:sp>
-        <p:nvSpPr>
-          <p:cNvPr id="5" name="內容版面配置區 4"/>
-          <p:cNvSpPr>
-            <a:spLocks noGrp="1"/>
-          </p:cNvSpPr>
-          <p:nvPr>
-            <p:ph idx="1"/>
-          </p:nvPr>
-        </p:nvSpPr>
-        <p:spPr/>
-        <p:txBody>
-          <a:bodyPr>
-            <a:noAutofit/>
-          </a:bodyPr>
-          <a:lstStyle/>
-          <a:p>
-            <a:pPr algn="ctr">
-              <a:buNone/>
-            </a:pPr>
-            <a:r>
-              <a:rPr lang="zh-TW" altLang="en-US" sz="4800" b="1" dirty="0">
-                <a:solidFill>
-                  <a:srgbClr val="000066"/>
-                </a:solidFill>
-                <a:latin typeface="微軟正黑體" pitchFamily="34" charset="-120"/>
-                <a:ea typeface="微軟正黑體" pitchFamily="34" charset="-120"/>
-              </a:rPr>
-              <a:t>青翠的</a:t>
-            </a:r>
-            <a:r>
-              <a:rPr lang="zh-TW" altLang="en-US" sz="4800" b="1" dirty="0">
-                <a:solidFill>
-                  <a:srgbClr val="000066"/>
-                </a:solidFill>
-                <a:latin typeface="微軟正黑體" pitchFamily="34" charset="-120"/>
-                <a:ea typeface="微軟正黑體" pitchFamily="34" charset="-120"/>
-              </a:rPr>
-              <a:t>草地  森林</a:t>
-            </a:r>
-            <a:r>
-              <a:rPr lang="zh-TW" altLang="en-US" sz="4800" b="1" dirty="0">
-                <a:solidFill>
-                  <a:srgbClr val="000066"/>
-                </a:solidFill>
-                <a:latin typeface="微軟正黑體" pitchFamily="34" charset="-120"/>
-                <a:ea typeface="微軟正黑體" pitchFamily="34" charset="-120"/>
-              </a:rPr>
-              <a:t>倍加</a:t>
-            </a:r>
-            <a:r>
-              <a:rPr lang="zh-TW" altLang="en-US" sz="4800" b="1" dirty="0">
-                <a:solidFill>
-                  <a:srgbClr val="000066"/>
-                </a:solidFill>
-                <a:latin typeface="微軟正黑體" pitchFamily="34" charset="-120"/>
-                <a:ea typeface="微軟正黑體" pitchFamily="34" charset="-120"/>
-              </a:rPr>
-              <a:t>美麗</a:t>
+              <a:t>美哉主耶穌宇宙萬物主宰</a:t>
             </a:r>
             <a:endParaRPr lang="en-US" altLang="zh-TW" sz="4800" b="1" dirty="0">
               <a:solidFill>
@@ -3466,27 +3247,7 @@
                 <a:latin typeface="微軟正黑體" pitchFamily="34" charset="-120"/>
                 <a:ea typeface="微軟正黑體" pitchFamily="34" charset="-120"/>
               </a:rPr>
-              <a:t>全都</a:t>
-            </a:r>
-            <a:r>
-              <a:rPr lang="zh-TW" altLang="en-US" sz="4800" b="1" dirty="0">
-                <a:solidFill>
-                  <a:srgbClr val="000066"/>
-                </a:solidFill>
-                <a:latin typeface="微軟正黑體" pitchFamily="34" charset="-120"/>
-                <a:ea typeface="微軟正黑體" pitchFamily="34" charset="-120"/>
-              </a:rPr>
-              <a:t>披上彩艷春</a:t>
-            </a:r>
-            <a:r>
-              <a:rPr lang="zh-TW" altLang="en-US" sz="4800" b="1" dirty="0">
-                <a:solidFill>
-                  <a:srgbClr val="000066"/>
-                </a:solidFill>
-                <a:latin typeface="微軟正黑體" pitchFamily="34" charset="-120"/>
-                <a:ea typeface="微軟正黑體" pitchFamily="34" charset="-120"/>
-              </a:rPr>
-              <a:t>衣</a:t>
+              <a:t>真神甘願降世為人</a:t>
             </a:r>
             <a:endParaRPr lang="en-US" altLang="zh-TW" sz="4800" b="1" dirty="0">
               <a:solidFill>
@@ -3496,96 +3257,53 @@
               <a:ea typeface="微軟正黑體" pitchFamily="34" charset="-120"/>
             </a:endParaRPr>
           </a:p>
-          <a:p>
-            <a:pPr algn="ctr">
-              <a:buNone/>
-            </a:pPr>
-            <a:r>
-              <a:rPr lang="zh-TW" altLang="en-US" sz="4800" b="1" dirty="0">
+        </p:txBody>
+      </p:sp>
+      <p:sp>
+        <p:nvSpPr>
+          <p:cNvPr id="3" name="TextBox 2"/>
+          <p:cNvSpPr txBox="1"/>
+          <p:nvPr/>
+        </p:nvSpPr>
+        <p:spPr>
+          <a:xfrm>
+            <a:off x="0" y="3795888"/>
+            <a:ext cx="9144000" cy="523220"/>
+          </a:xfrm>
+          <a:prstGeom prst="rect">
+            <a:avLst/>
+          </a:prstGeom>
+          <a:noFill/>
+        </p:spPr>
+        <p:txBody>
+          <a:bodyPr wrap="square" rtlCol="0">
+            <a:spAutoFit/>
+          </a:bodyPr>
+          <a:lstStyle/>
+          <a:p>
+            <a:pPr algn="ctr"/>
+            <a:r>
+              <a:rPr lang="en-US" sz="2800" b="1" dirty="0">
                 <a:solidFill>
                   <a:srgbClr val="000066"/>
                 </a:solidFill>
-                <a:latin typeface="微軟正黑體" pitchFamily="34" charset="-120"/>
-                <a:ea typeface="微軟正黑體" pitchFamily="34" charset="-120"/>
               </a:rPr>
-              <a:t>耶穌</a:t>
-            </a:r>
-            <a:r>
-              <a:rPr lang="zh-TW" altLang="en-US" sz="4800" b="1" dirty="0">
-                <a:solidFill>
-                  <a:srgbClr val="000066"/>
-                </a:solidFill>
-                <a:latin typeface="微軟正黑體" pitchFamily="34" charset="-120"/>
-                <a:ea typeface="微軟正黑體" pitchFamily="34" charset="-120"/>
-              </a:rPr>
-              <a:t>更</a:t>
-            </a:r>
-            <a:r>
-              <a:rPr lang="zh-TW" altLang="en-US" sz="4800" b="1" dirty="0">
-                <a:solidFill>
-                  <a:srgbClr val="000066"/>
-                </a:solidFill>
-                <a:latin typeface="微軟正黑體" pitchFamily="34" charset="-120"/>
-                <a:ea typeface="微軟正黑體" pitchFamily="34" charset="-120"/>
-              </a:rPr>
-              <a:t>美麗  耶穌</a:t>
-            </a:r>
-            <a:r>
-              <a:rPr lang="zh-TW" altLang="en-US" sz="4800" b="1" dirty="0">
-                <a:solidFill>
-                  <a:srgbClr val="000066"/>
-                </a:solidFill>
-                <a:latin typeface="微軟正黑體" pitchFamily="34" charset="-120"/>
-                <a:ea typeface="微軟正黑體" pitchFamily="34" charset="-120"/>
-              </a:rPr>
-              <a:t>更</a:t>
-            </a:r>
-            <a:r>
-              <a:rPr lang="zh-TW" altLang="en-US" sz="4800" b="1" dirty="0">
-                <a:solidFill>
-                  <a:srgbClr val="000066"/>
-                </a:solidFill>
-                <a:latin typeface="微軟正黑體" pitchFamily="34" charset="-120"/>
-                <a:ea typeface="微軟正黑體" pitchFamily="34" charset="-120"/>
-              </a:rPr>
-              <a:t>聖潔</a:t>
-            </a:r>
-            <a:endParaRPr lang="en-US" altLang="zh-TW" sz="4800" b="1" dirty="0">
+              <a:t>( 1 / 4 )</a:t>
+            </a:r>
+            <a:endParaRPr lang="vi-VN" sz="2800" b="1" dirty="0">
               <a:solidFill>
                 <a:srgbClr val="000066"/>
               </a:solidFill>
-              <a:latin typeface="微軟正黑體" pitchFamily="34" charset="-120"/>
-              <a:ea typeface="微軟正黑體" pitchFamily="34" charset="-120"/>
             </a:endParaRPr>
           </a:p>
-          <a:p>
-            <a:pPr algn="ctr">
-              <a:buNone/>
-            </a:pPr>
-            <a:r>
-              <a:rPr lang="zh-TW" altLang="en-US" sz="4800" b="1" dirty="0">
-                <a:solidFill>
-                  <a:srgbClr val="000066"/>
-                </a:solidFill>
-                <a:latin typeface="微軟正黑體" pitchFamily="34" charset="-120"/>
-                <a:ea typeface="微軟正黑體" pitchFamily="34" charset="-120"/>
-              </a:rPr>
-              <a:t>能</a:t>
-            </a:r>
-            <a:r>
-              <a:rPr lang="zh-TW" altLang="en-US" sz="4800" b="1" dirty="0">
-                <a:solidFill>
-                  <a:srgbClr val="000066"/>
-                </a:solidFill>
-                <a:latin typeface="微軟正黑體" pitchFamily="34" charset="-120"/>
-                <a:ea typeface="微軟正黑體" pitchFamily="34" charset="-120"/>
-              </a:rPr>
-              <a:t>使愁心歡唱不已</a:t>
-            </a:r>
-          </a:p>
         </p:txBody>
       </p:sp>
     </p:spTree>
+    <p:extLst>
+      <p:ext uri="{BB962C8B-B14F-4D97-AF65-F5344CB8AC3E}">
+        <p14:creationId xmlns:p14="http://schemas.microsoft.com/office/powerpoint/2010/main" val="3933215138"/>
+      </p:ext>
+    </p:extLst>
   </p:cSld>
   <p:clrMapOvr>
     <a:masterClrMapping/>
@@ -3612,100 +3330,38 @@
       </p:grpSpPr>
       <p:sp>
         <p:nvSpPr>
-          <p:cNvPr id="4" name="標題 3"/>
-          <p:cNvSpPr>
-            <a:spLocks noGrp="1"/>
-          </p:cNvSpPr>
-          <p:nvPr>
-            <p:ph type="title"/>
-          </p:nvPr>
-        </p:nvSpPr>
-        <p:spPr/>
-        <p:txBody>
-          <a:bodyPr>
+          <p:cNvPr id="5" name="內容版面配置區 4"/>
+          <p:cNvSpPr>
+            <a:spLocks noGrp="1"/>
+          </p:cNvSpPr>
+          <p:nvPr>
+            <p:ph idx="1"/>
+          </p:nvPr>
+        </p:nvSpPr>
+        <p:spPr>
+          <a:xfrm>
+            <a:off x="0" y="1563640"/>
+            <a:ext cx="9144000" cy="1803647"/>
+          </a:xfrm>
+        </p:spPr>
+        <p:txBody>
+          <a:bodyPr anchor="ctr">
             <a:normAutofit/>
           </a:bodyPr>
           <a:lstStyle/>
           <a:p>
-            <a:r>
-              <a:rPr lang="zh-TW" altLang="en-US" sz="4000" b="1" dirty="0">
+            <a:pPr algn="ctr">
+              <a:buNone/>
+            </a:pPr>
+            <a:r>
+              <a:rPr lang="zh-TW" altLang="en-US" sz="4800" b="1" dirty="0">
                 <a:solidFill>
                   <a:srgbClr val="000066"/>
                 </a:solidFill>
                 <a:latin typeface="微軟正黑體" pitchFamily="34" charset="-120"/>
                 <a:ea typeface="微軟正黑體" pitchFamily="34" charset="-120"/>
               </a:rPr>
-              <a:t>美哉主耶穌</a:t>
-            </a:r>
-            <a:endParaRPr lang="zh-TW" altLang="en-US" sz="4000" b="1" dirty="0">
-              <a:solidFill>
-                <a:srgbClr val="000066"/>
-              </a:solidFill>
-              <a:latin typeface="微軟正黑體" pitchFamily="34" charset="-120"/>
-              <a:ea typeface="微軟正黑體" pitchFamily="34" charset="-120"/>
-            </a:endParaRPr>
-          </a:p>
-        </p:txBody>
-      </p:sp>
-      <p:sp>
-        <p:nvSpPr>
-          <p:cNvPr id="5" name="內容版面配置區 4"/>
-          <p:cNvSpPr>
-            <a:spLocks noGrp="1"/>
-          </p:cNvSpPr>
-          <p:nvPr>
-            <p:ph idx="1"/>
-          </p:nvPr>
-        </p:nvSpPr>
-        <p:spPr/>
-        <p:txBody>
-          <a:bodyPr>
-            <a:noAutofit/>
-          </a:bodyPr>
-          <a:lstStyle/>
-          <a:p>
-            <a:pPr algn="ctr">
-              <a:buNone/>
-            </a:pPr>
-            <a:r>
-              <a:rPr lang="zh-TW" altLang="en-US" sz="4800" b="1" dirty="0">
-                <a:solidFill>
-                  <a:srgbClr val="000066"/>
-                </a:solidFill>
-                <a:latin typeface="微軟正黑體" pitchFamily="34" charset="-120"/>
-                <a:ea typeface="微軟正黑體" pitchFamily="34" charset="-120"/>
-              </a:rPr>
-              <a:t>明麗的</a:t>
-            </a:r>
-            <a:r>
-              <a:rPr lang="zh-TW" altLang="en-US" sz="4800" b="1" dirty="0">
-                <a:solidFill>
-                  <a:srgbClr val="000066"/>
-                </a:solidFill>
-                <a:latin typeface="微軟正黑體" pitchFamily="34" charset="-120"/>
-                <a:ea typeface="微軟正黑體" pitchFamily="34" charset="-120"/>
-              </a:rPr>
-              <a:t>陽光  月亮</a:t>
-            </a:r>
-            <a:r>
-              <a:rPr lang="zh-TW" altLang="en-US" sz="4800" b="1" dirty="0">
-                <a:solidFill>
-                  <a:srgbClr val="000066"/>
-                </a:solidFill>
-                <a:latin typeface="微軟正黑體" pitchFamily="34" charset="-120"/>
-                <a:ea typeface="微軟正黑體" pitchFamily="34" charset="-120"/>
-              </a:rPr>
-              <a:t>倍覺</a:t>
-            </a:r>
-            <a:r>
-              <a:rPr lang="zh-TW" altLang="en-US" sz="4800" b="1" dirty="0">
-                <a:solidFill>
-                  <a:srgbClr val="000066"/>
-                </a:solidFill>
-                <a:latin typeface="微軟正黑體" pitchFamily="34" charset="-120"/>
-                <a:ea typeface="微軟正黑體" pitchFamily="34" charset="-120"/>
-              </a:rPr>
-              <a:t>清朗</a:t>
+              <a:t>我心所景仰  我靈所尊崇</a:t>
             </a:r>
             <a:endParaRPr lang="en-US" altLang="zh-TW" sz="4800" b="1" dirty="0">
               <a:solidFill>
@@ -3727,126 +3383,56 @@
                 <a:latin typeface="微軟正黑體" pitchFamily="34" charset="-120"/>
                 <a:ea typeface="微軟正黑體" pitchFamily="34" charset="-120"/>
               </a:rPr>
-              <a:t>繁星</a:t>
-            </a:r>
-            <a:r>
-              <a:rPr lang="zh-TW" altLang="en-US" sz="4800" b="1" dirty="0">
+              <a:t>是我榮耀  冠冕  歡欣</a:t>
+            </a:r>
+          </a:p>
+        </p:txBody>
+      </p:sp>
+      <p:sp>
+        <p:nvSpPr>
+          <p:cNvPr id="3" name="TextBox 2"/>
+          <p:cNvSpPr txBox="1"/>
+          <p:nvPr/>
+        </p:nvSpPr>
+        <p:spPr>
+          <a:xfrm>
+            <a:off x="0" y="3795888"/>
+            <a:ext cx="9144000" cy="523220"/>
+          </a:xfrm>
+          <a:prstGeom prst="rect">
+            <a:avLst/>
+          </a:prstGeom>
+          <a:noFill/>
+        </p:spPr>
+        <p:txBody>
+          <a:bodyPr wrap="square" rtlCol="0">
+            <a:spAutoFit/>
+          </a:bodyPr>
+          <a:lstStyle/>
+          <a:p>
+            <a:pPr algn="ctr"/>
+            <a:r>
+              <a:rPr lang="en-US" sz="2800" b="1" dirty="0">
                 <a:solidFill>
                   <a:srgbClr val="000066"/>
                 </a:solidFill>
-                <a:latin typeface="微軟正黑體" pitchFamily="34" charset="-120"/>
-                <a:ea typeface="微軟正黑體" pitchFamily="34" charset="-120"/>
               </a:rPr>
-              <a:t>點點燦爛</a:t>
-            </a:r>
-            <a:r>
-              <a:rPr lang="zh-TW" altLang="en-US" sz="4800" b="1" dirty="0">
-                <a:solidFill>
-                  <a:srgbClr val="000066"/>
-                </a:solidFill>
-                <a:latin typeface="微軟正黑體" pitchFamily="34" charset="-120"/>
-                <a:ea typeface="微軟正黑體" pitchFamily="34" charset="-120"/>
-              </a:rPr>
-              <a:t>閃耀</a:t>
-            </a:r>
-            <a:endParaRPr lang="en-US" altLang="zh-TW" sz="4800" b="1" dirty="0">
+              <a:t>( 1 / 4 )</a:t>
+            </a:r>
+            <a:endParaRPr lang="vi-VN" sz="2800" b="1" dirty="0">
               <a:solidFill>
                 <a:srgbClr val="000066"/>
               </a:solidFill>
-              <a:latin typeface="微軟正黑體" pitchFamily="34" charset="-120"/>
-              <a:ea typeface="微軟正黑體" pitchFamily="34" charset="-120"/>
             </a:endParaRPr>
           </a:p>
-          <a:p>
-            <a:pPr algn="ctr">
-              <a:buNone/>
-            </a:pPr>
-            <a:r>
-              <a:rPr lang="zh-TW" altLang="en-US" sz="4800" b="1" dirty="0">
-                <a:solidFill>
-                  <a:srgbClr val="000066"/>
-                </a:solidFill>
-                <a:latin typeface="微軟正黑體" pitchFamily="34" charset="-120"/>
-                <a:ea typeface="微軟正黑體" pitchFamily="34" charset="-120"/>
-              </a:rPr>
-              <a:t>耶穌</a:t>
-            </a:r>
-            <a:r>
-              <a:rPr lang="zh-TW" altLang="en-US" sz="4800" b="1" dirty="0">
-                <a:solidFill>
-                  <a:srgbClr val="000066"/>
-                </a:solidFill>
-                <a:latin typeface="微軟正黑體" pitchFamily="34" charset="-120"/>
-                <a:ea typeface="微軟正黑體" pitchFamily="34" charset="-120"/>
-              </a:rPr>
-              <a:t>更</a:t>
-            </a:r>
-            <a:r>
-              <a:rPr lang="zh-TW" altLang="en-US" sz="4800" b="1" dirty="0">
-                <a:solidFill>
-                  <a:srgbClr val="000066"/>
-                </a:solidFill>
-                <a:latin typeface="微軟正黑體" pitchFamily="34" charset="-120"/>
-                <a:ea typeface="微軟正黑體" pitchFamily="34" charset="-120"/>
-              </a:rPr>
-              <a:t>輝煌  耶穌</a:t>
-            </a:r>
-            <a:r>
-              <a:rPr lang="zh-TW" altLang="en-US" sz="4800" b="1" dirty="0">
-                <a:solidFill>
-                  <a:srgbClr val="000066"/>
-                </a:solidFill>
-                <a:latin typeface="微軟正黑體" pitchFamily="34" charset="-120"/>
-                <a:ea typeface="微軟正黑體" pitchFamily="34" charset="-120"/>
-              </a:rPr>
-              <a:t>更</a:t>
-            </a:r>
-            <a:r>
-              <a:rPr lang="zh-TW" altLang="en-US" sz="4800" b="1" dirty="0">
-                <a:solidFill>
-                  <a:srgbClr val="000066"/>
-                </a:solidFill>
-                <a:latin typeface="微軟正黑體" pitchFamily="34" charset="-120"/>
-                <a:ea typeface="微軟正黑體" pitchFamily="34" charset="-120"/>
-              </a:rPr>
-              <a:t>皎潔</a:t>
-            </a:r>
-            <a:endParaRPr lang="en-US" altLang="zh-TW" sz="4800" b="1" dirty="0">
-              <a:solidFill>
-                <a:srgbClr val="000066"/>
-              </a:solidFill>
-              <a:latin typeface="微軟正黑體" pitchFamily="34" charset="-120"/>
-              <a:ea typeface="微軟正黑體" pitchFamily="34" charset="-120"/>
-            </a:endParaRPr>
-          </a:p>
-          <a:p>
-            <a:pPr algn="ctr">
-              <a:buNone/>
-            </a:pPr>
-            <a:r>
-              <a:rPr lang="zh-TW" altLang="en-US" sz="4800" b="1" dirty="0">
-                <a:solidFill>
-                  <a:srgbClr val="000066"/>
-                </a:solidFill>
-                <a:latin typeface="微軟正黑體" pitchFamily="34" charset="-120"/>
-                <a:ea typeface="微軟正黑體" pitchFamily="34" charset="-120"/>
-              </a:rPr>
-              <a:t>天使</a:t>
-            </a:r>
-            <a:r>
-              <a:rPr lang="zh-TW" altLang="en-US" sz="4800" b="1" dirty="0">
-                <a:solidFill>
-                  <a:srgbClr val="000066"/>
-                </a:solidFill>
-                <a:latin typeface="微軟正黑體" pitchFamily="34" charset="-120"/>
-                <a:ea typeface="微軟正黑體" pitchFamily="34" charset="-120"/>
-              </a:rPr>
-              <a:t>榮光不足比較</a:t>
-            </a:r>
-          </a:p>
         </p:txBody>
       </p:sp>
     </p:spTree>
+    <p:extLst>
+      <p:ext uri="{BB962C8B-B14F-4D97-AF65-F5344CB8AC3E}">
+        <p14:creationId xmlns:p14="http://schemas.microsoft.com/office/powerpoint/2010/main" val="3088665949"/>
+      </p:ext>
+    </p:extLst>
   </p:cSld>
   <p:clrMapOvr>
     <a:masterClrMapping/>
@@ -3873,100 +3459,38 @@
       </p:grpSpPr>
       <p:sp>
         <p:nvSpPr>
-          <p:cNvPr id="4" name="標題 3"/>
-          <p:cNvSpPr>
-            <a:spLocks noGrp="1"/>
-          </p:cNvSpPr>
-          <p:nvPr>
-            <p:ph type="title"/>
-          </p:nvPr>
-        </p:nvSpPr>
-        <p:spPr/>
-        <p:txBody>
-          <a:bodyPr>
+          <p:cNvPr id="5" name="內容版面配置區 4"/>
+          <p:cNvSpPr>
+            <a:spLocks noGrp="1"/>
+          </p:cNvSpPr>
+          <p:nvPr>
+            <p:ph idx="1"/>
+          </p:nvPr>
+        </p:nvSpPr>
+        <p:spPr>
+          <a:xfrm>
+            <a:off x="0" y="1563640"/>
+            <a:ext cx="9144000" cy="1803647"/>
+          </a:xfrm>
+        </p:spPr>
+        <p:txBody>
+          <a:bodyPr anchor="ctr">
             <a:normAutofit/>
           </a:bodyPr>
           <a:lstStyle/>
           <a:p>
-            <a:r>
-              <a:rPr lang="zh-TW" altLang="en-US" sz="4000" b="1" dirty="0">
+            <a:pPr algn="ctr">
+              <a:buNone/>
+            </a:pPr>
+            <a:r>
+              <a:rPr lang="zh-TW" altLang="en-US" sz="4800" b="1" dirty="0">
                 <a:solidFill>
                   <a:srgbClr val="000066"/>
                 </a:solidFill>
                 <a:latin typeface="微軟正黑體" pitchFamily="34" charset="-120"/>
                 <a:ea typeface="微軟正黑體" pitchFamily="34" charset="-120"/>
               </a:rPr>
-              <a:t>美哉主耶穌</a:t>
-            </a:r>
-            <a:endParaRPr lang="zh-TW" altLang="en-US" sz="4000" b="1" dirty="0">
-              <a:solidFill>
-                <a:srgbClr val="000066"/>
-              </a:solidFill>
-              <a:latin typeface="微軟正黑體" pitchFamily="34" charset="-120"/>
-              <a:ea typeface="微軟正黑體" pitchFamily="34" charset="-120"/>
-            </a:endParaRPr>
-          </a:p>
-        </p:txBody>
-      </p:sp>
-      <p:sp>
-        <p:nvSpPr>
-          <p:cNvPr id="5" name="內容版面配置區 4"/>
-          <p:cNvSpPr>
-            <a:spLocks noGrp="1"/>
-          </p:cNvSpPr>
-          <p:nvPr>
-            <p:ph idx="1"/>
-          </p:nvPr>
-        </p:nvSpPr>
-        <p:spPr/>
-        <p:txBody>
-          <a:bodyPr>
-            <a:noAutofit/>
-          </a:bodyPr>
-          <a:lstStyle/>
-          <a:p>
-            <a:pPr algn="ctr">
-              <a:buNone/>
-            </a:pPr>
-            <a:r>
-              <a:rPr lang="zh-TW" altLang="en-US" sz="4800" b="1" dirty="0">
-                <a:solidFill>
-                  <a:srgbClr val="000066"/>
-                </a:solidFill>
-                <a:latin typeface="微軟正黑體" pitchFamily="34" charset="-120"/>
-                <a:ea typeface="微軟正黑體" pitchFamily="34" charset="-120"/>
-              </a:rPr>
-              <a:t>榮美的</a:t>
-            </a:r>
-            <a:r>
-              <a:rPr lang="zh-TW" altLang="en-US" sz="4800" b="1" dirty="0">
-                <a:solidFill>
-                  <a:srgbClr val="000066"/>
-                </a:solidFill>
-                <a:latin typeface="微軟正黑體" pitchFamily="34" charset="-120"/>
-                <a:ea typeface="微軟正黑體" pitchFamily="34" charset="-120"/>
-              </a:rPr>
-              <a:t>救主  統</a:t>
-            </a:r>
-            <a:r>
-              <a:rPr lang="zh-TW" altLang="en-US" sz="4800" b="1" dirty="0">
-                <a:solidFill>
-                  <a:srgbClr val="000066"/>
-                </a:solidFill>
-                <a:latin typeface="微軟正黑體" pitchFamily="34" charset="-120"/>
-                <a:ea typeface="微軟正黑體" pitchFamily="34" charset="-120"/>
-              </a:rPr>
-              <a:t>管萬國萬</a:t>
-            </a:r>
-            <a:r>
-              <a:rPr lang="zh-TW" altLang="en-US" sz="4800" b="1" dirty="0">
-                <a:solidFill>
-                  <a:srgbClr val="000066"/>
-                </a:solidFill>
-                <a:latin typeface="微軟正黑體" pitchFamily="34" charset="-120"/>
-                <a:ea typeface="微軟正黑體" pitchFamily="34" charset="-120"/>
-              </a:rPr>
-              <a:t>民</a:t>
+              <a:t>青翠的草地  森林倍加美麗</a:t>
             </a:r>
             <a:endParaRPr lang="en-US" altLang="zh-TW" sz="4800" b="1" dirty="0">
               <a:solidFill>
@@ -3988,27 +3512,7 @@
                 <a:latin typeface="微軟正黑體" pitchFamily="34" charset="-120"/>
                 <a:ea typeface="微軟正黑體" pitchFamily="34" charset="-120"/>
               </a:rPr>
-              <a:t>祂</a:t>
-            </a:r>
-            <a:r>
-              <a:rPr lang="zh-TW" altLang="en-US" sz="4800" b="1" dirty="0">
-                <a:solidFill>
-                  <a:srgbClr val="000066"/>
-                </a:solidFill>
-                <a:latin typeface="微軟正黑體" pitchFamily="34" charset="-120"/>
-                <a:ea typeface="微軟正黑體" pitchFamily="34" charset="-120"/>
-              </a:rPr>
-              <a:t>是神子又是</a:t>
-            </a:r>
-            <a:r>
-              <a:rPr lang="zh-TW" altLang="en-US" sz="4800" b="1" dirty="0">
-                <a:solidFill>
-                  <a:srgbClr val="000066"/>
-                </a:solidFill>
-                <a:latin typeface="微軟正黑體" pitchFamily="34" charset="-120"/>
-                <a:ea typeface="微軟正黑體" pitchFamily="34" charset="-120"/>
-              </a:rPr>
-              <a:t>人子</a:t>
+              <a:t>全都披上彩艷春衣</a:t>
             </a:r>
             <a:endParaRPr lang="en-US" altLang="zh-TW" sz="4800" b="1" dirty="0">
               <a:solidFill>
@@ -4018,6 +3522,98 @@
               <a:ea typeface="微軟正黑體" pitchFamily="34" charset="-120"/>
             </a:endParaRPr>
           </a:p>
+        </p:txBody>
+      </p:sp>
+      <p:sp>
+        <p:nvSpPr>
+          <p:cNvPr id="3" name="TextBox 2"/>
+          <p:cNvSpPr txBox="1"/>
+          <p:nvPr/>
+        </p:nvSpPr>
+        <p:spPr>
+          <a:xfrm>
+            <a:off x="0" y="3795888"/>
+            <a:ext cx="9144000" cy="523220"/>
+          </a:xfrm>
+          <a:prstGeom prst="rect">
+            <a:avLst/>
+          </a:prstGeom>
+          <a:noFill/>
+        </p:spPr>
+        <p:txBody>
+          <a:bodyPr wrap="square" rtlCol="0">
+            <a:spAutoFit/>
+          </a:bodyPr>
+          <a:lstStyle/>
+          <a:p>
+            <a:pPr algn="ctr"/>
+            <a:r>
+              <a:rPr lang="en-US" sz="2800" b="1" dirty="0">
+                <a:solidFill>
+                  <a:srgbClr val="000066"/>
+                </a:solidFill>
+              </a:rPr>
+              <a:t>( 2 / 4 )</a:t>
+            </a:r>
+            <a:endParaRPr lang="vi-VN" sz="2800" b="1" dirty="0">
+              <a:solidFill>
+                <a:srgbClr val="000066"/>
+              </a:solidFill>
+            </a:endParaRPr>
+          </a:p>
+        </p:txBody>
+      </p:sp>
+    </p:spTree>
+    <p:extLst>
+      <p:ext uri="{BB962C8B-B14F-4D97-AF65-F5344CB8AC3E}">
+        <p14:creationId xmlns:p14="http://schemas.microsoft.com/office/powerpoint/2010/main" val="2509428529"/>
+      </p:ext>
+    </p:extLst>
+  </p:cSld>
+  <p:clrMapOvr>
+    <a:masterClrMapping/>
+  </p:clrMapOvr>
+</p:sld>
+</file>
+
+<file path=ppt/slides/slide5.xml><?xml version="1.0" encoding="utf-8"?>
+<p:sld xmlns:a="http://schemas.openxmlformats.org/drawingml/2006/main" xmlns:r="http://schemas.openxmlformats.org/officeDocument/2006/relationships" xmlns:p="http://schemas.openxmlformats.org/presentationml/2006/main">
+  <p:cSld>
+    <p:spTree>
+      <p:nvGrpSpPr>
+        <p:cNvPr id="1" name=""/>
+        <p:cNvGrpSpPr/>
+        <p:nvPr/>
+      </p:nvGrpSpPr>
+      <p:grpSpPr>
+        <a:xfrm>
+          <a:off x="0" y="0"/>
+          <a:ext cx="0" cy="0"/>
+          <a:chOff x="0" y="0"/>
+          <a:chExt cx="0" cy="0"/>
+        </a:xfrm>
+      </p:grpSpPr>
+      <p:sp>
+        <p:nvSpPr>
+          <p:cNvPr id="5" name="內容版面配置區 4"/>
+          <p:cNvSpPr>
+            <a:spLocks noGrp="1"/>
+          </p:cNvSpPr>
+          <p:nvPr>
+            <p:ph idx="1"/>
+          </p:nvPr>
+        </p:nvSpPr>
+        <p:spPr>
+          <a:xfrm>
+            <a:off x="0" y="1563640"/>
+            <a:ext cx="9144000" cy="1803647"/>
+          </a:xfrm>
+        </p:spPr>
+        <p:txBody>
+          <a:bodyPr anchor="ctr">
+            <a:normAutofit/>
+          </a:bodyPr>
+          <a:lstStyle/>
           <a:p>
             <a:pPr algn="ctr">
               <a:buNone/>
@@ -4030,47 +3626,7 @@
                 <a:latin typeface="微軟正黑體" pitchFamily="34" charset="-120"/>
                 <a:ea typeface="微軟正黑體" pitchFamily="34" charset="-120"/>
               </a:rPr>
-              <a:t>榮耀</a:t>
-            </a:r>
-            <a:r>
-              <a:rPr lang="zh-TW" altLang="en-US" sz="4800" b="1" dirty="0">
-                <a:solidFill>
-                  <a:srgbClr val="000066"/>
-                </a:solidFill>
-                <a:latin typeface="微軟正黑體" pitchFamily="34" charset="-120"/>
-                <a:ea typeface="微軟正黑體" pitchFamily="34" charset="-120"/>
-              </a:rPr>
-              <a:t>與</a:t>
-            </a:r>
-            <a:r>
-              <a:rPr lang="zh-TW" altLang="en-US" sz="4800" b="1" dirty="0">
-                <a:solidFill>
-                  <a:srgbClr val="000066"/>
-                </a:solidFill>
-                <a:latin typeface="微軟正黑體" pitchFamily="34" charset="-120"/>
-                <a:ea typeface="微軟正黑體" pitchFamily="34" charset="-120"/>
-              </a:rPr>
-              <a:t>尊貴  頌讚</a:t>
-            </a:r>
-            <a:r>
-              <a:rPr lang="zh-TW" altLang="en-US" sz="4800" b="1" dirty="0">
-                <a:solidFill>
-                  <a:srgbClr val="000066"/>
-                </a:solidFill>
-                <a:latin typeface="微軟正黑體" pitchFamily="34" charset="-120"/>
-                <a:ea typeface="微軟正黑體" pitchFamily="34" charset="-120"/>
-              </a:rPr>
-              <a:t>與</a:t>
-            </a:r>
-            <a:r>
-              <a:rPr lang="zh-TW" altLang="en-US" sz="4800" b="1" dirty="0">
-                <a:solidFill>
-                  <a:srgbClr val="000066"/>
-                </a:solidFill>
-                <a:latin typeface="微軟正黑體" pitchFamily="34" charset="-120"/>
-                <a:ea typeface="微軟正黑體" pitchFamily="34" charset="-120"/>
-              </a:rPr>
-              <a:t>崇敬</a:t>
+              <a:t>耶穌更美麗  耶穌更聖潔</a:t>
             </a:r>
             <a:endParaRPr lang="en-US" altLang="zh-TW" sz="4800" b="1" dirty="0">
               <a:solidFill>
@@ -4092,8 +3648,105 @@
                 <a:latin typeface="微軟正黑體" pitchFamily="34" charset="-120"/>
                 <a:ea typeface="微軟正黑體" pitchFamily="34" charset="-120"/>
               </a:rPr>
-              <a:t>都</a:t>
-            </a:r>
+              <a:t>能使愁心歡唱不已</a:t>
+            </a:r>
+          </a:p>
+        </p:txBody>
+      </p:sp>
+      <p:sp>
+        <p:nvSpPr>
+          <p:cNvPr id="3" name="TextBox 2"/>
+          <p:cNvSpPr txBox="1"/>
+          <p:nvPr/>
+        </p:nvSpPr>
+        <p:spPr>
+          <a:xfrm>
+            <a:off x="0" y="3795888"/>
+            <a:ext cx="9144000" cy="523220"/>
+          </a:xfrm>
+          <a:prstGeom prst="rect">
+            <a:avLst/>
+          </a:prstGeom>
+          <a:noFill/>
+        </p:spPr>
+        <p:txBody>
+          <a:bodyPr wrap="square" rtlCol="0">
+            <a:spAutoFit/>
+          </a:bodyPr>
+          <a:lstStyle/>
+          <a:p>
+            <a:pPr algn="ctr"/>
+            <a:r>
+              <a:rPr lang="en-US" sz="2800" b="1" dirty="0">
+                <a:solidFill>
+                  <a:srgbClr val="000066"/>
+                </a:solidFill>
+              </a:rPr>
+              <a:t>( 2 / 4 )</a:t>
+            </a:r>
+            <a:endParaRPr lang="vi-VN" sz="2800" b="1" dirty="0">
+              <a:solidFill>
+                <a:srgbClr val="000066"/>
+              </a:solidFill>
+            </a:endParaRPr>
+          </a:p>
+        </p:txBody>
+      </p:sp>
+    </p:spTree>
+    <p:extLst>
+      <p:ext uri="{BB962C8B-B14F-4D97-AF65-F5344CB8AC3E}">
+        <p14:creationId xmlns:p14="http://schemas.microsoft.com/office/powerpoint/2010/main" val="1625373169"/>
+      </p:ext>
+    </p:extLst>
+  </p:cSld>
+  <p:clrMapOvr>
+    <a:masterClrMapping/>
+  </p:clrMapOvr>
+</p:sld>
+</file>
+
+<file path=ppt/slides/slide6.xml><?xml version="1.0" encoding="utf-8"?>
+<p:sld xmlns:a="http://schemas.openxmlformats.org/drawingml/2006/main" xmlns:r="http://schemas.openxmlformats.org/officeDocument/2006/relationships" xmlns:p="http://schemas.openxmlformats.org/presentationml/2006/main">
+  <p:cSld>
+    <p:spTree>
+      <p:nvGrpSpPr>
+        <p:cNvPr id="1" name=""/>
+        <p:cNvGrpSpPr/>
+        <p:nvPr/>
+      </p:nvGrpSpPr>
+      <p:grpSpPr>
+        <a:xfrm>
+          <a:off x="0" y="0"/>
+          <a:ext cx="0" cy="0"/>
+          <a:chOff x="0" y="0"/>
+          <a:chExt cx="0" cy="0"/>
+        </a:xfrm>
+      </p:grpSpPr>
+      <p:sp>
+        <p:nvSpPr>
+          <p:cNvPr id="5" name="內容版面配置區 4"/>
+          <p:cNvSpPr>
+            <a:spLocks noGrp="1"/>
+          </p:cNvSpPr>
+          <p:nvPr>
+            <p:ph idx="1"/>
+          </p:nvPr>
+        </p:nvSpPr>
+        <p:spPr>
+          <a:xfrm>
+            <a:off x="0" y="1563640"/>
+            <a:ext cx="9144000" cy="1803647"/>
+          </a:xfrm>
+        </p:spPr>
+        <p:txBody>
+          <a:bodyPr anchor="ctr">
+            <a:normAutofit/>
+          </a:bodyPr>
+          <a:lstStyle/>
+          <a:p>
+            <a:pPr algn="ctr">
+              <a:buNone/>
+            </a:pPr>
             <a:r>
               <a:rPr lang="zh-TW" altLang="en-US" sz="4800" b="1" dirty="0">
                 <a:solidFill>
@@ -4102,12 +3755,479 @@
                 <a:latin typeface="微軟正黑體" pitchFamily="34" charset="-120"/>
                 <a:ea typeface="微軟正黑體" pitchFamily="34" charset="-120"/>
               </a:rPr>
-              <a:t>歸耶穌永不止息</a:t>
-            </a:r>
+              <a:t>明麗的陽光  月亮倍覺清朗</a:t>
+            </a:r>
+            <a:endParaRPr lang="en-US" altLang="zh-TW" sz="4800" b="1" dirty="0">
+              <a:solidFill>
+                <a:srgbClr val="000066"/>
+              </a:solidFill>
+              <a:latin typeface="微軟正黑體" pitchFamily="34" charset="-120"/>
+              <a:ea typeface="微軟正黑體" pitchFamily="34" charset="-120"/>
+            </a:endParaRPr>
+          </a:p>
+          <a:p>
+            <a:pPr algn="ctr">
+              <a:buNone/>
+            </a:pPr>
+            <a:r>
+              <a:rPr lang="zh-TW" altLang="en-US" sz="4800" b="1" dirty="0">
+                <a:solidFill>
+                  <a:srgbClr val="000066"/>
+                </a:solidFill>
+                <a:latin typeface="微軟正黑體" pitchFamily="34" charset="-120"/>
+                <a:ea typeface="微軟正黑體" pitchFamily="34" charset="-120"/>
+              </a:rPr>
+              <a:t>繁星點點燦爛閃耀</a:t>
+            </a:r>
+            <a:endParaRPr lang="en-US" altLang="zh-TW" sz="4800" b="1" dirty="0">
+              <a:solidFill>
+                <a:srgbClr val="000066"/>
+              </a:solidFill>
+              <a:latin typeface="微軟正黑體" pitchFamily="34" charset="-120"/>
+              <a:ea typeface="微軟正黑體" pitchFamily="34" charset="-120"/>
+            </a:endParaRPr>
+          </a:p>
+        </p:txBody>
+      </p:sp>
+      <p:sp>
+        <p:nvSpPr>
+          <p:cNvPr id="3" name="TextBox 2"/>
+          <p:cNvSpPr txBox="1"/>
+          <p:nvPr/>
+        </p:nvSpPr>
+        <p:spPr>
+          <a:xfrm>
+            <a:off x="0" y="3795888"/>
+            <a:ext cx="9144000" cy="523220"/>
+          </a:xfrm>
+          <a:prstGeom prst="rect">
+            <a:avLst/>
+          </a:prstGeom>
+          <a:noFill/>
+        </p:spPr>
+        <p:txBody>
+          <a:bodyPr wrap="square" rtlCol="0">
+            <a:spAutoFit/>
+          </a:bodyPr>
+          <a:lstStyle/>
+          <a:p>
+            <a:pPr algn="ctr"/>
+            <a:r>
+              <a:rPr lang="en-US" sz="2800" b="1" dirty="0">
+                <a:solidFill>
+                  <a:srgbClr val="000066"/>
+                </a:solidFill>
+              </a:rPr>
+              <a:t>( 3 / 4 )</a:t>
+            </a:r>
+            <a:endParaRPr lang="vi-VN" sz="2800" b="1" dirty="0">
+              <a:solidFill>
+                <a:srgbClr val="000066"/>
+              </a:solidFill>
+            </a:endParaRPr>
           </a:p>
         </p:txBody>
       </p:sp>
     </p:spTree>
+    <p:extLst>
+      <p:ext uri="{BB962C8B-B14F-4D97-AF65-F5344CB8AC3E}">
+        <p14:creationId xmlns:p14="http://schemas.microsoft.com/office/powerpoint/2010/main" val="96753672"/>
+      </p:ext>
+    </p:extLst>
+  </p:cSld>
+  <p:clrMapOvr>
+    <a:masterClrMapping/>
+  </p:clrMapOvr>
+</p:sld>
+</file>
+
+<file path=ppt/slides/slide7.xml><?xml version="1.0" encoding="utf-8"?>
+<p:sld xmlns:a="http://schemas.openxmlformats.org/drawingml/2006/main" xmlns:r="http://schemas.openxmlformats.org/officeDocument/2006/relationships" xmlns:p="http://schemas.openxmlformats.org/presentationml/2006/main">
+  <p:cSld>
+    <p:spTree>
+      <p:nvGrpSpPr>
+        <p:cNvPr id="1" name=""/>
+        <p:cNvGrpSpPr/>
+        <p:nvPr/>
+      </p:nvGrpSpPr>
+      <p:grpSpPr>
+        <a:xfrm>
+          <a:off x="0" y="0"/>
+          <a:ext cx="0" cy="0"/>
+          <a:chOff x="0" y="0"/>
+          <a:chExt cx="0" cy="0"/>
+        </a:xfrm>
+      </p:grpSpPr>
+      <p:sp>
+        <p:nvSpPr>
+          <p:cNvPr id="5" name="內容版面配置區 4"/>
+          <p:cNvSpPr>
+            <a:spLocks noGrp="1"/>
+          </p:cNvSpPr>
+          <p:nvPr>
+            <p:ph idx="1"/>
+          </p:nvPr>
+        </p:nvSpPr>
+        <p:spPr>
+          <a:xfrm>
+            <a:off x="0" y="1563640"/>
+            <a:ext cx="9144000" cy="1803647"/>
+          </a:xfrm>
+        </p:spPr>
+        <p:txBody>
+          <a:bodyPr anchor="ctr">
+            <a:normAutofit/>
+          </a:bodyPr>
+          <a:lstStyle/>
+          <a:p>
+            <a:pPr algn="ctr">
+              <a:buNone/>
+            </a:pPr>
+            <a:r>
+              <a:rPr lang="zh-TW" altLang="en-US" sz="4800" b="1" dirty="0">
+                <a:solidFill>
+                  <a:srgbClr val="000066"/>
+                </a:solidFill>
+                <a:latin typeface="微軟正黑體" pitchFamily="34" charset="-120"/>
+                <a:ea typeface="微軟正黑體" pitchFamily="34" charset="-120"/>
+              </a:rPr>
+              <a:t>耶穌更輝煌  耶穌更皎潔</a:t>
+            </a:r>
+            <a:endParaRPr lang="en-US" altLang="zh-TW" sz="4800" b="1" dirty="0">
+              <a:solidFill>
+                <a:srgbClr val="000066"/>
+              </a:solidFill>
+              <a:latin typeface="微軟正黑體" pitchFamily="34" charset="-120"/>
+              <a:ea typeface="微軟正黑體" pitchFamily="34" charset="-120"/>
+            </a:endParaRPr>
+          </a:p>
+          <a:p>
+            <a:pPr algn="ctr">
+              <a:buNone/>
+            </a:pPr>
+            <a:r>
+              <a:rPr lang="zh-TW" altLang="en-US" sz="4800" b="1" dirty="0">
+                <a:solidFill>
+                  <a:srgbClr val="000066"/>
+                </a:solidFill>
+                <a:latin typeface="微軟正黑體" pitchFamily="34" charset="-120"/>
+                <a:ea typeface="微軟正黑體" pitchFamily="34" charset="-120"/>
+              </a:rPr>
+              <a:t>天使榮光不足比較</a:t>
+            </a:r>
+          </a:p>
+        </p:txBody>
+      </p:sp>
+      <p:sp>
+        <p:nvSpPr>
+          <p:cNvPr id="3" name="TextBox 2"/>
+          <p:cNvSpPr txBox="1"/>
+          <p:nvPr/>
+        </p:nvSpPr>
+        <p:spPr>
+          <a:xfrm>
+            <a:off x="0" y="3795888"/>
+            <a:ext cx="9144000" cy="523220"/>
+          </a:xfrm>
+          <a:prstGeom prst="rect">
+            <a:avLst/>
+          </a:prstGeom>
+          <a:noFill/>
+        </p:spPr>
+        <p:txBody>
+          <a:bodyPr wrap="square" rtlCol="0">
+            <a:spAutoFit/>
+          </a:bodyPr>
+          <a:lstStyle/>
+          <a:p>
+            <a:pPr algn="ctr"/>
+            <a:r>
+              <a:rPr lang="en-US" sz="2800" b="1" dirty="0">
+                <a:solidFill>
+                  <a:srgbClr val="000066"/>
+                </a:solidFill>
+              </a:rPr>
+              <a:t>( 3 / 4 )</a:t>
+            </a:r>
+            <a:endParaRPr lang="vi-VN" sz="2800" b="1" dirty="0">
+              <a:solidFill>
+                <a:srgbClr val="000066"/>
+              </a:solidFill>
+            </a:endParaRPr>
+          </a:p>
+        </p:txBody>
+      </p:sp>
+    </p:spTree>
+    <p:extLst>
+      <p:ext uri="{BB962C8B-B14F-4D97-AF65-F5344CB8AC3E}">
+        <p14:creationId xmlns:p14="http://schemas.microsoft.com/office/powerpoint/2010/main" val="3950416201"/>
+      </p:ext>
+    </p:extLst>
+  </p:cSld>
+  <p:clrMapOvr>
+    <a:masterClrMapping/>
+  </p:clrMapOvr>
+</p:sld>
+</file>
+
+<file path=ppt/slides/slide8.xml><?xml version="1.0" encoding="utf-8"?>
+<p:sld xmlns:a="http://schemas.openxmlformats.org/drawingml/2006/main" xmlns:r="http://schemas.openxmlformats.org/officeDocument/2006/relationships" xmlns:p="http://schemas.openxmlformats.org/presentationml/2006/main">
+  <p:cSld>
+    <p:spTree>
+      <p:nvGrpSpPr>
+        <p:cNvPr id="1" name=""/>
+        <p:cNvGrpSpPr/>
+        <p:nvPr/>
+      </p:nvGrpSpPr>
+      <p:grpSpPr>
+        <a:xfrm>
+          <a:off x="0" y="0"/>
+          <a:ext cx="0" cy="0"/>
+          <a:chOff x="0" y="0"/>
+          <a:chExt cx="0" cy="0"/>
+        </a:xfrm>
+      </p:grpSpPr>
+      <p:sp>
+        <p:nvSpPr>
+          <p:cNvPr id="5" name="內容版面配置區 4"/>
+          <p:cNvSpPr>
+            <a:spLocks noGrp="1"/>
+          </p:cNvSpPr>
+          <p:nvPr>
+            <p:ph idx="1"/>
+          </p:nvPr>
+        </p:nvSpPr>
+        <p:spPr>
+          <a:xfrm>
+            <a:off x="0" y="1563640"/>
+            <a:ext cx="9144000" cy="1803647"/>
+          </a:xfrm>
+        </p:spPr>
+        <p:txBody>
+          <a:bodyPr anchor="ctr">
+            <a:normAutofit/>
+          </a:bodyPr>
+          <a:lstStyle/>
+          <a:p>
+            <a:pPr algn="ctr">
+              <a:buNone/>
+            </a:pPr>
+            <a:r>
+              <a:rPr lang="zh-TW" altLang="en-US" sz="4800" b="1" dirty="0">
+                <a:solidFill>
+                  <a:srgbClr val="000066"/>
+                </a:solidFill>
+                <a:latin typeface="微軟正黑體" pitchFamily="34" charset="-120"/>
+                <a:ea typeface="微軟正黑體" pitchFamily="34" charset="-120"/>
+              </a:rPr>
+              <a:t>榮美的救主  統管萬國萬民</a:t>
+            </a:r>
+            <a:endParaRPr lang="en-US" altLang="zh-TW" sz="4800" b="1" dirty="0">
+              <a:solidFill>
+                <a:srgbClr val="000066"/>
+              </a:solidFill>
+              <a:latin typeface="微軟正黑體" pitchFamily="34" charset="-120"/>
+              <a:ea typeface="微軟正黑體" pitchFamily="34" charset="-120"/>
+            </a:endParaRPr>
+          </a:p>
+          <a:p>
+            <a:pPr algn="ctr">
+              <a:buNone/>
+            </a:pPr>
+            <a:r>
+              <a:rPr lang="zh-TW" altLang="en-US" sz="4800" b="1" dirty="0">
+                <a:solidFill>
+                  <a:srgbClr val="000066"/>
+                </a:solidFill>
+                <a:latin typeface="微軟正黑體" pitchFamily="34" charset="-120"/>
+                <a:ea typeface="微軟正黑體" pitchFamily="34" charset="-120"/>
+              </a:rPr>
+              <a:t>祂是神子又是人子</a:t>
+            </a:r>
+            <a:endParaRPr lang="en-US" altLang="zh-TW" sz="4800" b="1" dirty="0">
+              <a:solidFill>
+                <a:srgbClr val="000066"/>
+              </a:solidFill>
+              <a:latin typeface="微軟正黑體" pitchFamily="34" charset="-120"/>
+              <a:ea typeface="微軟正黑體" pitchFamily="34" charset="-120"/>
+            </a:endParaRPr>
+          </a:p>
+        </p:txBody>
+      </p:sp>
+      <p:sp>
+        <p:nvSpPr>
+          <p:cNvPr id="3" name="TextBox 2"/>
+          <p:cNvSpPr txBox="1"/>
+          <p:nvPr/>
+        </p:nvSpPr>
+        <p:spPr>
+          <a:xfrm>
+            <a:off x="0" y="3795888"/>
+            <a:ext cx="9144000" cy="523220"/>
+          </a:xfrm>
+          <a:prstGeom prst="rect">
+            <a:avLst/>
+          </a:prstGeom>
+          <a:noFill/>
+        </p:spPr>
+        <p:txBody>
+          <a:bodyPr wrap="square" rtlCol="0">
+            <a:spAutoFit/>
+          </a:bodyPr>
+          <a:lstStyle/>
+          <a:p>
+            <a:pPr algn="ctr"/>
+            <a:r>
+              <a:rPr lang="en-US" sz="2800" b="1" dirty="0">
+                <a:solidFill>
+                  <a:srgbClr val="000066"/>
+                </a:solidFill>
+              </a:rPr>
+              <a:t>( 4 / 4 )</a:t>
+            </a:r>
+            <a:endParaRPr lang="vi-VN" sz="2800" b="1" dirty="0">
+              <a:solidFill>
+                <a:srgbClr val="000066"/>
+              </a:solidFill>
+            </a:endParaRPr>
+          </a:p>
+        </p:txBody>
+      </p:sp>
+    </p:spTree>
+    <p:extLst>
+      <p:ext uri="{BB962C8B-B14F-4D97-AF65-F5344CB8AC3E}">
+        <p14:creationId xmlns:p14="http://schemas.microsoft.com/office/powerpoint/2010/main" val="2153297281"/>
+      </p:ext>
+    </p:extLst>
+  </p:cSld>
+  <p:clrMapOvr>
+    <a:masterClrMapping/>
+  </p:clrMapOvr>
+</p:sld>
+</file>
+
+<file path=ppt/slides/slide9.xml><?xml version="1.0" encoding="utf-8"?>
+<p:sld xmlns:a="http://schemas.openxmlformats.org/drawingml/2006/main" xmlns:r="http://schemas.openxmlformats.org/officeDocument/2006/relationships" xmlns:p="http://schemas.openxmlformats.org/presentationml/2006/main">
+  <p:cSld>
+    <p:spTree>
+      <p:nvGrpSpPr>
+        <p:cNvPr id="1" name=""/>
+        <p:cNvGrpSpPr/>
+        <p:nvPr/>
+      </p:nvGrpSpPr>
+      <p:grpSpPr>
+        <a:xfrm>
+          <a:off x="0" y="0"/>
+          <a:ext cx="0" cy="0"/>
+          <a:chOff x="0" y="0"/>
+          <a:chExt cx="0" cy="0"/>
+        </a:xfrm>
+      </p:grpSpPr>
+      <p:sp>
+        <p:nvSpPr>
+          <p:cNvPr id="5" name="內容版面配置區 4"/>
+          <p:cNvSpPr>
+            <a:spLocks noGrp="1"/>
+          </p:cNvSpPr>
+          <p:nvPr>
+            <p:ph idx="1"/>
+          </p:nvPr>
+        </p:nvSpPr>
+        <p:spPr>
+          <a:xfrm>
+            <a:off x="0" y="1563640"/>
+            <a:ext cx="9144000" cy="1803647"/>
+          </a:xfrm>
+        </p:spPr>
+        <p:txBody>
+          <a:bodyPr anchor="ctr">
+            <a:normAutofit/>
+          </a:bodyPr>
+          <a:lstStyle/>
+          <a:p>
+            <a:pPr algn="ctr">
+              <a:buNone/>
+            </a:pPr>
+            <a:r>
+              <a:rPr lang="zh-TW" altLang="en-US" sz="4800" b="1" dirty="0">
+                <a:solidFill>
+                  <a:srgbClr val="000066"/>
+                </a:solidFill>
+                <a:latin typeface="微軟正黑體" pitchFamily="34" charset="-120"/>
+                <a:ea typeface="微軟正黑體" pitchFamily="34" charset="-120"/>
+              </a:rPr>
+              <a:t>榮耀與尊貴  頌讚與崇敬</a:t>
+            </a:r>
+            <a:endParaRPr lang="en-US" altLang="zh-TW" sz="4800" b="1" dirty="0">
+              <a:solidFill>
+                <a:srgbClr val="000066"/>
+              </a:solidFill>
+              <a:latin typeface="微軟正黑體" pitchFamily="34" charset="-120"/>
+              <a:ea typeface="微軟正黑體" pitchFamily="34" charset="-120"/>
+            </a:endParaRPr>
+          </a:p>
+          <a:p>
+            <a:pPr algn="ctr">
+              <a:buNone/>
+            </a:pPr>
+            <a:r>
+              <a:rPr lang="zh-TW" altLang="en-US" sz="4800" b="1" dirty="0">
+                <a:solidFill>
+                  <a:srgbClr val="000066"/>
+                </a:solidFill>
+                <a:latin typeface="微軟正黑體" pitchFamily="34" charset="-120"/>
+                <a:ea typeface="微軟正黑體" pitchFamily="34" charset="-120"/>
+              </a:rPr>
+              <a:t>都歸耶穌永不止息</a:t>
+            </a:r>
+          </a:p>
+        </p:txBody>
+      </p:sp>
+      <p:sp>
+        <p:nvSpPr>
+          <p:cNvPr id="3" name="TextBox 2"/>
+          <p:cNvSpPr txBox="1"/>
+          <p:nvPr/>
+        </p:nvSpPr>
+        <p:spPr>
+          <a:xfrm>
+            <a:off x="0" y="3795888"/>
+            <a:ext cx="9144000" cy="523220"/>
+          </a:xfrm>
+          <a:prstGeom prst="rect">
+            <a:avLst/>
+          </a:prstGeom>
+          <a:noFill/>
+        </p:spPr>
+        <p:txBody>
+          <a:bodyPr wrap="square" rtlCol="0">
+            <a:spAutoFit/>
+          </a:bodyPr>
+          <a:lstStyle/>
+          <a:p>
+            <a:pPr algn="ctr"/>
+            <a:r>
+              <a:rPr lang="en-US" sz="2800" b="1" dirty="0">
+                <a:solidFill>
+                  <a:srgbClr val="000066"/>
+                </a:solidFill>
+              </a:rPr>
+              <a:t>( 4 / 4 )</a:t>
+            </a:r>
+            <a:endParaRPr lang="vi-VN" sz="2800" b="1" dirty="0">
+              <a:solidFill>
+                <a:srgbClr val="000066"/>
+              </a:solidFill>
+            </a:endParaRPr>
+          </a:p>
+        </p:txBody>
+      </p:sp>
+    </p:spTree>
+    <p:extLst>
+      <p:ext uri="{BB962C8B-B14F-4D97-AF65-F5344CB8AC3E}">
+        <p14:creationId xmlns:p14="http://schemas.microsoft.com/office/powerpoint/2010/main" val="190514552"/>
+      </p:ext>
+    </p:extLst>
   </p:cSld>
   <p:clrMapOvr>
     <a:masterClrMapping/>
